--- a/week_07_08/week_07_08.pptx
+++ b/week_07_08/week_07_08.pptx
@@ -5,7 +5,7 @@
     <p:sldMasterId id="2147483840" r:id="rId1"/>
   </p:sldMasterIdLst>
   <p:notesMasterIdLst>
-    <p:notesMasterId r:id="rId14"/>
+    <p:notesMasterId r:id="rId19"/>
   </p:notesMasterIdLst>
   <p:sldIdLst>
     <p:sldId id="256" r:id="rId2"/>
@@ -17,9 +17,14 @@
     <p:sldId id="288" r:id="rId8"/>
     <p:sldId id="289" r:id="rId9"/>
     <p:sldId id="291" r:id="rId10"/>
-    <p:sldId id="287" r:id="rId11"/>
-    <p:sldId id="294" r:id="rId12"/>
-    <p:sldId id="292" r:id="rId13"/>
+    <p:sldId id="292" r:id="rId11"/>
+    <p:sldId id="287" r:id="rId12"/>
+    <p:sldId id="294" r:id="rId13"/>
+    <p:sldId id="295" r:id="rId14"/>
+    <p:sldId id="296" r:id="rId15"/>
+    <p:sldId id="297" r:id="rId16"/>
+    <p:sldId id="298" r:id="rId17"/>
+    <p:sldId id="299" r:id="rId18"/>
   </p:sldIdLst>
   <p:sldSz cx="12192000" cy="6858000"/>
   <p:notesSz cx="6858000" cy="9144000"/>
@@ -208,7 +213,7 @@
           <a:p>
             <a:fld id="{A756DEA0-F944-5946-9B95-BC7B5255CD05}" type="datetimeFigureOut">
               <a:rPr lang="en-US" smtClean="0"/>
-              <a:t>3/2/16</a:t>
+              <a:t>3/9/16</a:t>
             </a:fld>
             <a:endParaRPr lang="en-US"/>
           </a:p>
@@ -625,7 +630,7 @@
           <a:p>
             <a:fld id="{0FF3EE0D-70A9-3744-80A0-179DFFBD3C67}" type="slidenum">
               <a:rPr lang="en-US" smtClean="0"/>
-              <a:t>12</a:t>
+              <a:t>10</a:t>
             </a:fld>
             <a:endParaRPr lang="en-US"/>
           </a:p>
@@ -635,6 +640,90 @@
     <p:extLst>
       <p:ext uri="{BB962C8B-B14F-4D97-AF65-F5344CB8AC3E}">
         <p14:creationId xmlns:p14="http://schemas.microsoft.com/office/powerpoint/2010/main" val="706690228"/>
+      </p:ext>
+    </p:extLst>
+  </p:cSld>
+  <p:clrMapOvr>
+    <a:masterClrMapping/>
+  </p:clrMapOvr>
+</p:notes>
+</file>
+
+<file path=ppt/notesSlides/notesSlide3.xml><?xml version="1.0" encoding="utf-8"?>
+<p:notes xmlns:a="http://schemas.openxmlformats.org/drawingml/2006/main" xmlns:r="http://schemas.openxmlformats.org/officeDocument/2006/relationships" xmlns:p="http://schemas.openxmlformats.org/presentationml/2006/main">
+  <p:cSld>
+    <p:spTree>
+      <p:nvGrpSpPr>
+        <p:cNvPr id="1" name=""/>
+        <p:cNvGrpSpPr/>
+        <p:nvPr/>
+      </p:nvGrpSpPr>
+      <p:grpSpPr>
+        <a:xfrm>
+          <a:off x="0" y="0"/>
+          <a:ext cx="0" cy="0"/>
+          <a:chOff x="0" y="0"/>
+          <a:chExt cx="0" cy="0"/>
+        </a:xfrm>
+      </p:grpSpPr>
+      <p:sp>
+        <p:nvSpPr>
+          <p:cNvPr id="2" name="Slide Image Placeholder 1"/>
+          <p:cNvSpPr>
+            <a:spLocks noGrp="1" noRot="1" noChangeAspect="1"/>
+          </p:cNvSpPr>
+          <p:nvPr>
+            <p:ph type="sldImg"/>
+          </p:nvPr>
+        </p:nvSpPr>
+        <p:spPr/>
+      </p:sp>
+      <p:sp>
+        <p:nvSpPr>
+          <p:cNvPr id="3" name="Notes Placeholder 2"/>
+          <p:cNvSpPr>
+            <a:spLocks noGrp="1"/>
+          </p:cNvSpPr>
+          <p:nvPr>
+            <p:ph type="body" idx="1"/>
+          </p:nvPr>
+        </p:nvSpPr>
+        <p:spPr/>
+        <p:txBody>
+          <a:bodyPr/>
+          <a:lstStyle/>
+          <a:p>
+            <a:endParaRPr lang="en-US" dirty="0"/>
+          </a:p>
+        </p:txBody>
+      </p:sp>
+      <p:sp>
+        <p:nvSpPr>
+          <p:cNvPr id="4" name="Slide Number Placeholder 3"/>
+          <p:cNvSpPr>
+            <a:spLocks noGrp="1"/>
+          </p:cNvSpPr>
+          <p:nvPr>
+            <p:ph type="sldNum" sz="quarter" idx="10"/>
+          </p:nvPr>
+        </p:nvSpPr>
+        <p:spPr/>
+        <p:txBody>
+          <a:bodyPr/>
+          <a:lstStyle/>
+          <a:p>
+            <a:fld id="{0FF3EE0D-70A9-3744-80A0-179DFFBD3C67}" type="slidenum">
+              <a:rPr lang="en-US" smtClean="0"/>
+              <a:t>17</a:t>
+            </a:fld>
+            <a:endParaRPr lang="en-US"/>
+          </a:p>
+        </p:txBody>
+      </p:sp>
+    </p:spTree>
+    <p:extLst>
+      <p:ext uri="{BB962C8B-B14F-4D97-AF65-F5344CB8AC3E}">
+        <p14:creationId xmlns:p14="http://schemas.microsoft.com/office/powerpoint/2010/main" val="425509898"/>
       </p:ext>
     </p:extLst>
   </p:cSld>
@@ -812,7 +901,7 @@
           <a:p>
             <a:fld id="{9E016143-E03C-4CFD-AFDC-14E5BDEA754C}" type="datetimeFigureOut">
               <a:rPr lang="en-US" dirty="0"/>
-              <a:t>3/2/16</a:t>
+              <a:t>3/9/16</a:t>
             </a:fld>
             <a:endParaRPr lang="en-US" dirty="0"/>
           </a:p>
@@ -1036,7 +1125,7 @@
           <a:p>
             <a:fld id="{C033E54A-A8CA-48C1-9504-691B58049D29}" type="datetimeFigureOut">
               <a:rPr lang="en-US" dirty="0"/>
-              <a:t>3/2/16</a:t>
+              <a:t>3/9/16</a:t>
             </a:fld>
             <a:endParaRPr lang="en-US" dirty="0"/>
           </a:p>
@@ -1211,7 +1300,7 @@
           <a:p>
             <a:fld id="{B5F6C806-BBF7-471C-9527-881CE2266695}" type="datetimeFigureOut">
               <a:rPr lang="en-US" dirty="0"/>
-              <a:t>3/2/16</a:t>
+              <a:t>3/9/16</a:t>
             </a:fld>
             <a:endParaRPr lang="en-US" dirty="0"/>
           </a:p>
@@ -1376,7 +1465,7 @@
           <a:p>
             <a:fld id="{78C94063-DF36-4330-A365-08DA1FA5B7D6}" type="datetimeFigureOut">
               <a:rPr lang="en-US" dirty="0"/>
-              <a:t>3/2/16</a:t>
+              <a:t>3/9/16</a:t>
             </a:fld>
             <a:endParaRPr lang="en-US" dirty="0"/>
           </a:p>
@@ -1625,7 +1714,7 @@
           <a:p>
             <a:fld id="{908A7C6C-0F39-4D70-8E8D-FE5B9C95FA73}" type="datetimeFigureOut">
               <a:rPr lang="en-US" dirty="0"/>
-              <a:t>3/2/16</a:t>
+              <a:t>3/9/16</a:t>
             </a:fld>
             <a:endParaRPr lang="en-US" dirty="0"/>
           </a:p>
@@ -1946,7 +2035,7 @@
           <a:p>
             <a:fld id="{DFCFA4AC-08CC-42CE-BD01-C191750A04EC}" type="datetimeFigureOut">
               <a:rPr lang="en-US" dirty="0"/>
-              <a:t>3/2/16</a:t>
+              <a:t>3/9/16</a:t>
             </a:fld>
             <a:endParaRPr lang="en-US" dirty="0"/>
           </a:p>
@@ -2392,7 +2481,7 @@
           <a:p>
             <a:fld id="{1BA7A723-92A7-435B-B681-F25B092FEFEB}" type="datetimeFigureOut">
               <a:rPr lang="en-US" dirty="0"/>
-              <a:t>3/2/16</a:t>
+              <a:t>3/9/16</a:t>
             </a:fld>
             <a:endParaRPr lang="en-US" dirty="0"/>
           </a:p>
@@ -2505,7 +2594,7 @@
           <a:p>
             <a:fld id="{4F170639-886C-4FCF-9EAB-ABB5DA3F3F4A}" type="datetimeFigureOut">
               <a:rPr lang="en-US" dirty="0"/>
-              <a:t>3/2/16</a:t>
+              <a:t>3/9/16</a:t>
             </a:fld>
             <a:endParaRPr lang="en-US" dirty="0"/>
           </a:p>
@@ -2595,7 +2684,7 @@
           <a:p>
             <a:fld id="{22230651-31F4-45D2-98AE-A2108F41BC07}" type="datetimeFigureOut">
               <a:rPr lang="en-US" dirty="0"/>
-              <a:t>3/2/16</a:t>
+              <a:t>3/9/16</a:t>
             </a:fld>
             <a:endParaRPr lang="en-US" dirty="0"/>
           </a:p>
@@ -2877,7 +2966,7 @@
           <a:p>
             <a:fld id="{6F53789A-C914-4DB1-8815-80B5EC7335C5}" type="datetimeFigureOut">
               <a:rPr lang="en-US" dirty="0"/>
-              <a:t>3/2/16</a:t>
+              <a:t>3/9/16</a:t>
             </a:fld>
             <a:endParaRPr lang="en-US" dirty="0"/>
           </a:p>
@@ -3197,7 +3286,7 @@
           <a:p>
             <a:fld id="{5E6440AA-91A0-436F-8FDB-C0F939DCAE21}" type="datetimeFigureOut">
               <a:rPr lang="en-US" dirty="0"/>
-              <a:t>3/2/16</a:t>
+              <a:t>3/9/16</a:t>
             </a:fld>
             <a:endParaRPr lang="en-US" dirty="0"/>
           </a:p>
@@ -3446,7 +3535,7 @@
           <a:p>
             <a:fld id="{0E59FD0C-5451-4CA0-86AF-E70AE3279989}" type="datetimeFigureOut">
               <a:rPr lang="en-US" dirty="0"/>
-              <a:t>3/2/16</a:t>
+              <a:t>3/9/16</a:t>
             </a:fld>
             <a:endParaRPr lang="en-US" dirty="0"/>
           </a:p>
@@ -3973,7 +4062,6 @@
               <a:rPr lang="en-US" dirty="0" smtClean="0"/>
               <a:t>Weeks 7 and 8: Inheritance and Polymorphism</a:t>
             </a:r>
-            <a:endParaRPr lang="en-US" dirty="0" smtClean="0"/>
           </a:p>
           <a:p>
             <a:r>
@@ -3998,6 +4086,130 @@
 </file>
 
 <file path=ppt/slides/slide10.xml><?xml version="1.0" encoding="utf-8"?>
+<p:sld xmlns:a="http://schemas.openxmlformats.org/drawingml/2006/main" xmlns:r="http://schemas.openxmlformats.org/officeDocument/2006/relationships" xmlns:p="http://schemas.openxmlformats.org/presentationml/2006/main">
+  <p:cSld>
+    <p:spTree>
+      <p:nvGrpSpPr>
+        <p:cNvPr id="1" name=""/>
+        <p:cNvGrpSpPr/>
+        <p:nvPr/>
+      </p:nvGrpSpPr>
+      <p:grpSpPr>
+        <a:xfrm>
+          <a:off x="0" y="0"/>
+          <a:ext cx="0" cy="0"/>
+          <a:chOff x="0" y="0"/>
+          <a:chExt cx="0" cy="0"/>
+        </a:xfrm>
+      </p:grpSpPr>
+      <p:sp>
+        <p:nvSpPr>
+          <p:cNvPr id="3" name="Title 2"/>
+          <p:cNvSpPr>
+            <a:spLocks noGrp="1"/>
+          </p:cNvSpPr>
+          <p:nvPr>
+            <p:ph type="title"/>
+          </p:nvPr>
+        </p:nvSpPr>
+        <p:spPr/>
+        <p:txBody>
+          <a:bodyPr/>
+          <a:lstStyle/>
+          <a:p>
+            <a:r>
+              <a:rPr lang="en-US" dirty="0" smtClean="0"/>
+              <a:t>Exercise #1</a:t>
+            </a:r>
+            <a:endParaRPr lang="en-US" dirty="0"/>
+          </a:p>
+        </p:txBody>
+      </p:sp>
+      <p:sp>
+        <p:nvSpPr>
+          <p:cNvPr id="4" name="Text Placeholder 3"/>
+          <p:cNvSpPr>
+            <a:spLocks noGrp="1"/>
+          </p:cNvSpPr>
+          <p:nvPr>
+            <p:ph idx="1"/>
+          </p:nvPr>
+        </p:nvSpPr>
+        <p:spPr/>
+        <p:txBody>
+          <a:bodyPr anchor="ctr">
+            <a:normAutofit/>
+          </a:bodyPr>
+          <a:lstStyle/>
+          <a:p>
+            <a:pPr marL="0" indent="0">
+              <a:buNone/>
+            </a:pPr>
+            <a:r>
+              <a:rPr lang="en-US" sz="2400" dirty="0" smtClean="0"/>
+              <a:t>Write </a:t>
+            </a:r>
+            <a:r>
+              <a:rPr lang="en-US" sz="2400" dirty="0"/>
+              <a:t>a program that includes a class representing contact information fora person including their name and email address.  This class should </a:t>
+            </a:r>
+            <a:r>
+              <a:rPr lang="en-US" sz="2400" dirty="0" smtClean="0"/>
+              <a:t>include a </a:t>
+            </a:r>
+            <a:r>
+              <a:rPr lang="en-US" sz="2400" dirty="0"/>
+              <a:t>method for displaying the contact's name and email address.  The </a:t>
+            </a:r>
+            <a:r>
+              <a:rPr lang="en-US" sz="2400" dirty="0" smtClean="0"/>
+              <a:t>program should </a:t>
+            </a:r>
+            <a:r>
+              <a:rPr lang="en-US" sz="2400" dirty="0"/>
+              <a:t>also include a class for business contacts that extends the </a:t>
+            </a:r>
+            <a:r>
+              <a:rPr lang="en-US" sz="2400" dirty="0" smtClean="0"/>
+              <a:t>contact class </a:t>
+            </a:r>
+            <a:r>
+              <a:rPr lang="en-US" sz="2400" dirty="0"/>
+              <a:t>and stores the contact's phone number.  The business contact </a:t>
+            </a:r>
+            <a:r>
+              <a:rPr lang="en-US" sz="2400" dirty="0" smtClean="0"/>
+              <a:t>class should </a:t>
+            </a:r>
+            <a:r>
+              <a:rPr lang="en-US" sz="2400" dirty="0"/>
+              <a:t>override the base class's method that displays the name and </a:t>
+            </a:r>
+            <a:r>
+              <a:rPr lang="en-US" sz="2400" dirty="0" smtClean="0"/>
+              <a:t>email address </a:t>
+            </a:r>
+            <a:r>
+              <a:rPr lang="en-US" sz="2400" dirty="0"/>
+              <a:t>so that it displays the phone number in addition to the name and email address. Create instances of both classes to demonstrate functionality.</a:t>
+            </a:r>
+          </a:p>
+        </p:txBody>
+      </p:sp>
+    </p:spTree>
+    <p:extLst>
+      <p:ext uri="{BB962C8B-B14F-4D97-AF65-F5344CB8AC3E}">
+        <p14:creationId xmlns:p14="http://schemas.microsoft.com/office/powerpoint/2010/main" val="1458956191"/>
+      </p:ext>
+    </p:extLst>
+  </p:cSld>
+  <p:clrMapOvr>
+    <a:masterClrMapping/>
+  </p:clrMapOvr>
+</p:sld>
+</file>
+
+<file path=ppt/slides/slide11.xml><?xml version="1.0" encoding="utf-8"?>
 <p:sld xmlns:a="http://schemas.openxmlformats.org/drawingml/2006/main" xmlns:r="http://schemas.openxmlformats.org/officeDocument/2006/relationships" xmlns:p="http://schemas.openxmlformats.org/presentationml/2006/main">
   <p:cSld>
     <p:spTree>
@@ -4286,97 +4498,6 @@
 </p:sld>
 </file>
 
-<file path=ppt/slides/slide11.xml><?xml version="1.0" encoding="utf-8"?>
-<p:sld xmlns:a="http://schemas.openxmlformats.org/drawingml/2006/main" xmlns:r="http://schemas.openxmlformats.org/officeDocument/2006/relationships" xmlns:p="http://schemas.openxmlformats.org/presentationml/2006/main">
-  <p:cSld>
-    <p:spTree>
-      <p:nvGrpSpPr>
-        <p:cNvPr id="1" name=""/>
-        <p:cNvGrpSpPr/>
-        <p:nvPr/>
-      </p:nvGrpSpPr>
-      <p:grpSpPr>
-        <a:xfrm>
-          <a:off x="0" y="0"/>
-          <a:ext cx="0" cy="0"/>
-          <a:chOff x="0" y="0"/>
-          <a:chExt cx="0" cy="0"/>
-        </a:xfrm>
-      </p:grpSpPr>
-      <p:sp>
-        <p:nvSpPr>
-          <p:cNvPr id="2" name="Title 1"/>
-          <p:cNvSpPr>
-            <a:spLocks noGrp="1"/>
-          </p:cNvSpPr>
-          <p:nvPr>
-            <p:ph type="title"/>
-          </p:nvPr>
-        </p:nvSpPr>
-        <p:spPr/>
-        <p:txBody>
-          <a:bodyPr/>
-          <a:lstStyle/>
-          <a:p>
-            <a:r>
-              <a:rPr lang="en-US" dirty="0" smtClean="0"/>
-              <a:t>Equality</a:t>
-            </a:r>
-            <a:endParaRPr lang="en-US" dirty="0"/>
-          </a:p>
-        </p:txBody>
-      </p:sp>
-      <p:sp>
-        <p:nvSpPr>
-          <p:cNvPr id="3" name="Content Placeholder 2"/>
-          <p:cNvSpPr>
-            <a:spLocks noGrp="1"/>
-          </p:cNvSpPr>
-          <p:nvPr>
-            <p:ph idx="1"/>
-          </p:nvPr>
-        </p:nvSpPr>
-        <p:spPr/>
-        <p:txBody>
-          <a:bodyPr anchor="ctr">
-            <a:normAutofit/>
-          </a:bodyPr>
-          <a:lstStyle/>
-          <a:p>
-            <a:r>
-              <a:rPr lang="en-US" sz="2800" dirty="0" smtClean="0"/>
-              <a:t>== and != operators represent reference equality</a:t>
-            </a:r>
-          </a:p>
-          <a:p>
-            <a:r>
-              <a:rPr lang="en-US" sz="2800" dirty="0" smtClean="0"/>
-              <a:t>We can override the </a:t>
-            </a:r>
-            <a:r>
-              <a:rPr lang="en-US" sz="2800" dirty="0" err="1" smtClean="0"/>
-              <a:t>Object.equals</a:t>
-            </a:r>
-            <a:r>
-              <a:rPr lang="en-US" sz="2800" dirty="0" smtClean="0"/>
-              <a:t>() method to implement equality that is more meaningful for the Classes we define</a:t>
-            </a:r>
-          </a:p>
-        </p:txBody>
-      </p:sp>
-    </p:spTree>
-    <p:extLst>
-      <p:ext uri="{BB962C8B-B14F-4D97-AF65-F5344CB8AC3E}">
-        <p14:creationId xmlns:p14="http://schemas.microsoft.com/office/powerpoint/2010/main" val="1518371828"/>
-      </p:ext>
-    </p:extLst>
-  </p:cSld>
-  <p:clrMapOvr>
-    <a:masterClrMapping/>
-  </p:clrMapOvr>
-</p:sld>
-</file>
-
 <file path=ppt/slides/slide12.xml><?xml version="1.0" encoding="utf-8"?>
 <p:sld xmlns:a="http://schemas.openxmlformats.org/drawingml/2006/main" xmlns:r="http://schemas.openxmlformats.org/officeDocument/2006/relationships" xmlns:p="http://schemas.openxmlformats.org/presentationml/2006/main">
   <p:cSld>
@@ -4396,7 +4517,7 @@
       </p:grpSpPr>
       <p:sp>
         <p:nvSpPr>
-          <p:cNvPr id="3" name="Title 2"/>
+          <p:cNvPr id="2" name="Title 1"/>
           <p:cNvSpPr>
             <a:spLocks noGrp="1"/>
           </p:cNvSpPr>
@@ -4411,15 +4532,15 @@
           <a:p>
             <a:r>
               <a:rPr lang="en-US" dirty="0" smtClean="0"/>
-              <a:t>Exercise #1</a:t>
-            </a:r>
-            <a:endParaRPr lang="en-US" dirty="0"/>
-          </a:p>
-        </p:txBody>
-      </p:sp>
-      <p:sp>
-        <p:nvSpPr>
-          <p:cNvPr id="4" name="Text Placeholder 3"/>
+              <a:t>Equality</a:t>
+            </a:r>
+            <a:endParaRPr lang="en-US" dirty="0"/>
+          </a:p>
+        </p:txBody>
+      </p:sp>
+      <p:sp>
+        <p:nvSpPr>
+          <p:cNvPr id="3" name="Content Placeholder 2"/>
           <p:cNvSpPr>
             <a:spLocks noGrp="1"/>
           </p:cNvSpPr>
@@ -4434,65 +4555,592 @@
           </a:bodyPr>
           <a:lstStyle/>
           <a:p>
-            <a:pPr marL="0" indent="0">
-              <a:buNone/>
-            </a:pPr>
-            <a:r>
-              <a:rPr lang="en-US" sz="2400" dirty="0" smtClean="0"/>
-              <a:t>Write </a:t>
-            </a:r>
-            <a:r>
-              <a:rPr lang="en-US" sz="2400" dirty="0"/>
-              <a:t>a program that includes a class representing contact information fora person including their name and email address.  This class should </a:t>
-            </a:r>
-            <a:r>
-              <a:rPr lang="en-US" sz="2400" dirty="0" smtClean="0"/>
-              <a:t>include a </a:t>
-            </a:r>
-            <a:r>
-              <a:rPr lang="en-US" sz="2400" dirty="0"/>
-              <a:t>method for displaying the contact's name and email address.  The </a:t>
-            </a:r>
-            <a:r>
-              <a:rPr lang="en-US" sz="2400" dirty="0" smtClean="0"/>
-              <a:t>program should </a:t>
-            </a:r>
-            <a:r>
-              <a:rPr lang="en-US" sz="2400" dirty="0"/>
-              <a:t>also include a class for business contacts that extends the </a:t>
-            </a:r>
-            <a:r>
-              <a:rPr lang="en-US" sz="2400" dirty="0" smtClean="0"/>
-              <a:t>contact class </a:t>
-            </a:r>
-            <a:r>
-              <a:rPr lang="en-US" sz="2400" dirty="0"/>
-              <a:t>and stores the contact's phone number.  The business contact </a:t>
-            </a:r>
-            <a:r>
-              <a:rPr lang="en-US" sz="2400" dirty="0" smtClean="0"/>
-              <a:t>class should </a:t>
-            </a:r>
-            <a:r>
-              <a:rPr lang="en-US" sz="2400" dirty="0"/>
-              <a:t>override the base class's method that displays the name and </a:t>
-            </a:r>
-            <a:r>
-              <a:rPr lang="en-US" sz="2400" dirty="0" smtClean="0"/>
-              <a:t>email address </a:t>
-            </a:r>
-            <a:r>
-              <a:rPr lang="en-US" sz="2400" dirty="0"/>
-              <a:t>so that it displays the phone number in addition to the name and email address. Create instances of both classes to demonstrate functionality.</a:t>
-            </a:r>
-            <a:endParaRPr lang="en-US" sz="2400" dirty="0"/>
+            <a:r>
+              <a:rPr lang="en-US" sz="2800" dirty="0" smtClean="0"/>
+              <a:t>== and != operators represent reference equality</a:t>
+            </a:r>
+          </a:p>
+          <a:p>
+            <a:r>
+              <a:rPr lang="en-US" sz="2800" dirty="0" smtClean="0"/>
+              <a:t>We can override the </a:t>
+            </a:r>
+            <a:r>
+              <a:rPr lang="en-US" sz="2800" dirty="0" err="1" smtClean="0"/>
+              <a:t>Object.equals</a:t>
+            </a:r>
+            <a:r>
+              <a:rPr lang="en-US" sz="2800" dirty="0" smtClean="0"/>
+              <a:t>() method to implement equality that is more meaningful for the Classes we define</a:t>
+            </a:r>
           </a:p>
         </p:txBody>
       </p:sp>
     </p:spTree>
     <p:extLst>
       <p:ext uri="{BB962C8B-B14F-4D97-AF65-F5344CB8AC3E}">
-        <p14:creationId xmlns:p14="http://schemas.microsoft.com/office/powerpoint/2010/main" val="1458956191"/>
+        <p14:creationId xmlns:p14="http://schemas.microsoft.com/office/powerpoint/2010/main" val="1518371828"/>
+      </p:ext>
+    </p:extLst>
+  </p:cSld>
+  <p:clrMapOvr>
+    <a:masterClrMapping/>
+  </p:clrMapOvr>
+</p:sld>
+</file>
+
+<file path=ppt/slides/slide13.xml><?xml version="1.0" encoding="utf-8"?>
+<p:sld xmlns:a="http://schemas.openxmlformats.org/drawingml/2006/main" xmlns:r="http://schemas.openxmlformats.org/officeDocument/2006/relationships" xmlns:p="http://schemas.openxmlformats.org/presentationml/2006/main">
+  <p:cSld>
+    <p:spTree>
+      <p:nvGrpSpPr>
+        <p:cNvPr id="1" name=""/>
+        <p:cNvGrpSpPr/>
+        <p:nvPr/>
+      </p:nvGrpSpPr>
+      <p:grpSpPr>
+        <a:xfrm>
+          <a:off x="0" y="0"/>
+          <a:ext cx="0" cy="0"/>
+          <a:chOff x="0" y="0"/>
+          <a:chExt cx="0" cy="0"/>
+        </a:xfrm>
+      </p:grpSpPr>
+      <p:sp>
+        <p:nvSpPr>
+          <p:cNvPr id="2" name="Title 1"/>
+          <p:cNvSpPr>
+            <a:spLocks noGrp="1"/>
+          </p:cNvSpPr>
+          <p:nvPr>
+            <p:ph type="title"/>
+          </p:nvPr>
+        </p:nvSpPr>
+        <p:spPr/>
+        <p:txBody>
+          <a:bodyPr/>
+          <a:lstStyle/>
+          <a:p>
+            <a:r>
+              <a:rPr lang="en-US" dirty="0" smtClean="0"/>
+              <a:t>Composition	</a:t>
+            </a:r>
+            <a:endParaRPr lang="en-US" dirty="0"/>
+          </a:p>
+        </p:txBody>
+      </p:sp>
+      <p:sp>
+        <p:nvSpPr>
+          <p:cNvPr id="3" name="Content Placeholder 2"/>
+          <p:cNvSpPr>
+            <a:spLocks noGrp="1"/>
+          </p:cNvSpPr>
+          <p:nvPr>
+            <p:ph idx="1"/>
+          </p:nvPr>
+        </p:nvSpPr>
+        <p:spPr/>
+        <p:txBody>
+          <a:bodyPr>
+            <a:noAutofit/>
+          </a:bodyPr>
+          <a:lstStyle/>
+          <a:p>
+            <a:r>
+              <a:rPr lang="en-US" sz="2400" dirty="0" smtClean="0"/>
+              <a:t>Implementation inheritance breaks encapsulation: derived class relies on implementation of base class</a:t>
+            </a:r>
+          </a:p>
+          <a:p>
+            <a:r>
+              <a:rPr lang="en-US" sz="2400" dirty="0" smtClean="0"/>
+              <a:t>Changes to base class can result in broken derived classes</a:t>
+            </a:r>
+          </a:p>
+          <a:p>
+            <a:r>
+              <a:rPr lang="en-US" sz="2400" dirty="0" smtClean="0"/>
+              <a:t>Can also provide functionally similar to multiple implementation inheritance</a:t>
+            </a:r>
+          </a:p>
+          <a:p>
+            <a:r>
+              <a:rPr lang="en-US" sz="2400" dirty="0" smtClean="0"/>
+              <a:t>We can </a:t>
+            </a:r>
+            <a:r>
+              <a:rPr lang="en-US" sz="2400" i="1" dirty="0" smtClean="0"/>
+              <a:t>wrap </a:t>
+            </a:r>
+            <a:r>
+              <a:rPr lang="en-US" sz="2400" dirty="0" smtClean="0"/>
+              <a:t>other classes with our classes using </a:t>
+            </a:r>
+            <a:r>
+              <a:rPr lang="en-US" sz="2400" i="1" dirty="0" smtClean="0"/>
+              <a:t>composition</a:t>
+            </a:r>
+          </a:p>
+          <a:p>
+            <a:r>
+              <a:rPr lang="en-US" sz="2400" dirty="0" smtClean="0"/>
+              <a:t>Inheritance describes a “is-a” relationship, composition describes a “has-a” relationship</a:t>
+            </a:r>
+            <a:endParaRPr lang="en-US" sz="2400" dirty="0"/>
+          </a:p>
+        </p:txBody>
+      </p:sp>
+    </p:spTree>
+    <p:extLst>
+      <p:ext uri="{BB962C8B-B14F-4D97-AF65-F5344CB8AC3E}">
+        <p14:creationId xmlns:p14="http://schemas.microsoft.com/office/powerpoint/2010/main" val="950000972"/>
+      </p:ext>
+    </p:extLst>
+  </p:cSld>
+  <p:clrMapOvr>
+    <a:masterClrMapping/>
+  </p:clrMapOvr>
+</p:sld>
+</file>
+
+<file path=ppt/slides/slide14.xml><?xml version="1.0" encoding="utf-8"?>
+<p:sld xmlns:a="http://schemas.openxmlformats.org/drawingml/2006/main" xmlns:r="http://schemas.openxmlformats.org/officeDocument/2006/relationships" xmlns:p="http://schemas.openxmlformats.org/presentationml/2006/main">
+  <p:cSld>
+    <p:spTree>
+      <p:nvGrpSpPr>
+        <p:cNvPr id="1" name=""/>
+        <p:cNvGrpSpPr/>
+        <p:nvPr/>
+      </p:nvGrpSpPr>
+      <p:grpSpPr>
+        <a:xfrm>
+          <a:off x="0" y="0"/>
+          <a:ext cx="0" cy="0"/>
+          <a:chOff x="0" y="0"/>
+          <a:chExt cx="0" cy="0"/>
+        </a:xfrm>
+      </p:grpSpPr>
+      <p:sp>
+        <p:nvSpPr>
+          <p:cNvPr id="4" name="Title 3"/>
+          <p:cNvSpPr>
+            <a:spLocks noGrp="1"/>
+          </p:cNvSpPr>
+          <p:nvPr>
+            <p:ph type="title"/>
+          </p:nvPr>
+        </p:nvSpPr>
+        <p:spPr/>
+        <p:txBody>
+          <a:bodyPr/>
+          <a:lstStyle/>
+          <a:p>
+            <a:r>
+              <a:rPr lang="en-US" dirty="0" smtClean="0"/>
+              <a:t>Polymorphism</a:t>
+            </a:r>
+            <a:endParaRPr lang="en-US" dirty="0"/>
+          </a:p>
+        </p:txBody>
+      </p:sp>
+      <p:sp>
+        <p:nvSpPr>
+          <p:cNvPr id="5" name="Text Placeholder 4"/>
+          <p:cNvSpPr>
+            <a:spLocks noGrp="1"/>
+          </p:cNvSpPr>
+          <p:nvPr>
+            <p:ph type="body" idx="1"/>
+          </p:nvPr>
+        </p:nvSpPr>
+        <p:spPr/>
+        <p:txBody>
+          <a:bodyPr/>
+          <a:lstStyle/>
+          <a:p>
+            <a:r>
+              <a:rPr lang="en-US" dirty="0" smtClean="0"/>
+              <a:t>The ability to treat an object as being of different types</a:t>
+            </a:r>
+            <a:endParaRPr lang="en-US" dirty="0"/>
+          </a:p>
+        </p:txBody>
+      </p:sp>
+    </p:spTree>
+    <p:extLst>
+      <p:ext uri="{BB962C8B-B14F-4D97-AF65-F5344CB8AC3E}">
+        <p14:creationId xmlns:p14="http://schemas.microsoft.com/office/powerpoint/2010/main" val="1688347340"/>
+      </p:ext>
+    </p:extLst>
+  </p:cSld>
+  <p:clrMapOvr>
+    <a:masterClrMapping/>
+  </p:clrMapOvr>
+</p:sld>
+</file>
+
+<file path=ppt/slides/slide15.xml><?xml version="1.0" encoding="utf-8"?>
+<p:sld xmlns:a="http://schemas.openxmlformats.org/drawingml/2006/main" xmlns:r="http://schemas.openxmlformats.org/officeDocument/2006/relationships" xmlns:p="http://schemas.openxmlformats.org/presentationml/2006/main">
+  <p:cSld>
+    <p:spTree>
+      <p:nvGrpSpPr>
+        <p:cNvPr id="1" name=""/>
+        <p:cNvGrpSpPr/>
+        <p:nvPr/>
+      </p:nvGrpSpPr>
+      <p:grpSpPr>
+        <a:xfrm>
+          <a:off x="0" y="0"/>
+          <a:ext cx="0" cy="0"/>
+          <a:chOff x="0" y="0"/>
+          <a:chExt cx="0" cy="0"/>
+        </a:xfrm>
+      </p:grpSpPr>
+      <p:sp>
+        <p:nvSpPr>
+          <p:cNvPr id="4" name="Title 3"/>
+          <p:cNvSpPr>
+            <a:spLocks noGrp="1"/>
+          </p:cNvSpPr>
+          <p:nvPr>
+            <p:ph type="title"/>
+          </p:nvPr>
+        </p:nvSpPr>
+        <p:spPr/>
+        <p:txBody>
+          <a:bodyPr/>
+          <a:lstStyle/>
+          <a:p>
+            <a:r>
+              <a:rPr lang="en-US" dirty="0" smtClean="0"/>
+              <a:t>Types of polymorphism in Java</a:t>
+            </a:r>
+            <a:endParaRPr lang="en-US" dirty="0"/>
+          </a:p>
+        </p:txBody>
+      </p:sp>
+      <p:sp>
+        <p:nvSpPr>
+          <p:cNvPr id="5" name="Content Placeholder 4"/>
+          <p:cNvSpPr>
+            <a:spLocks noGrp="1"/>
+          </p:cNvSpPr>
+          <p:nvPr>
+            <p:ph idx="1"/>
+          </p:nvPr>
+        </p:nvSpPr>
+        <p:spPr/>
+        <p:txBody>
+          <a:bodyPr/>
+          <a:lstStyle/>
+          <a:p>
+            <a:r>
+              <a:rPr lang="en-US" sz="2000" i="1" dirty="0" smtClean="0"/>
+              <a:t>Coercion</a:t>
+            </a:r>
+            <a:r>
+              <a:rPr lang="en-US" sz="2000" dirty="0" smtClean="0"/>
+              <a:t> – an operation servers </a:t>
+            </a:r>
+            <a:r>
+              <a:rPr lang="en-US" sz="2000" dirty="0" err="1" smtClean="0"/>
+              <a:t>mutliple</a:t>
+            </a:r>
+            <a:r>
+              <a:rPr lang="en-US" sz="2000" dirty="0" smtClean="0"/>
+              <a:t> types through implicit conversion, e.g. division is defined for two </a:t>
+            </a:r>
+            <a:r>
+              <a:rPr lang="en-US" sz="2000" dirty="0" err="1" smtClean="0"/>
+              <a:t>ints</a:t>
+            </a:r>
+            <a:r>
+              <a:rPr lang="en-US" sz="2000" dirty="0" smtClean="0"/>
+              <a:t> and two doubles but not an </a:t>
+            </a:r>
+            <a:r>
+              <a:rPr lang="en-US" sz="2000" dirty="0" err="1" smtClean="0"/>
+              <a:t>int</a:t>
+            </a:r>
+            <a:r>
+              <a:rPr lang="en-US" sz="2000" dirty="0" smtClean="0"/>
+              <a:t> and a double but we can perform the operation between an </a:t>
+            </a:r>
+            <a:r>
+              <a:rPr lang="en-US" sz="2000" dirty="0" err="1" smtClean="0"/>
+              <a:t>int</a:t>
+            </a:r>
+            <a:r>
+              <a:rPr lang="en-US" sz="2000" dirty="0" smtClean="0"/>
+              <a:t> and a double</a:t>
+            </a:r>
+          </a:p>
+          <a:p>
+            <a:r>
+              <a:rPr lang="en-US" sz="2000" i="1" dirty="0" smtClean="0"/>
+              <a:t>Overloading</a:t>
+            </a:r>
+            <a:r>
+              <a:rPr lang="en-US" sz="2000" dirty="0" smtClean="0"/>
+              <a:t> – the same operator or method can take different parameters</a:t>
+            </a:r>
+          </a:p>
+          <a:p>
+            <a:r>
+              <a:rPr lang="en-US" sz="2000" i="1" dirty="0" smtClean="0"/>
+              <a:t>Parametric</a:t>
+            </a:r>
+            <a:r>
+              <a:rPr lang="en-US" sz="2000" dirty="0" smtClean="0"/>
+              <a:t> – within a class declaration, a field name can associate with different types and a method can associate with different parameter and return types</a:t>
+            </a:r>
+          </a:p>
+          <a:p>
+            <a:r>
+              <a:rPr lang="en-US" sz="2000" i="1" dirty="0" smtClean="0"/>
+              <a:t>Subtype</a:t>
+            </a:r>
+            <a:r>
+              <a:rPr lang="en-US" sz="2000" dirty="0" smtClean="0"/>
+              <a:t> – when a subclass is used in a superclass context, a call to the </a:t>
+            </a:r>
+            <a:r>
+              <a:rPr lang="en-US" sz="2000" dirty="0" err="1" smtClean="0"/>
+              <a:t>supeclass’s</a:t>
+            </a:r>
+            <a:r>
+              <a:rPr lang="en-US" sz="2000" dirty="0" smtClean="0"/>
+              <a:t> method results in the execution of the subclass’s method</a:t>
+            </a:r>
+          </a:p>
+          <a:p>
+            <a:endParaRPr lang="en-US" dirty="0"/>
+          </a:p>
+        </p:txBody>
+      </p:sp>
+    </p:spTree>
+    <p:extLst>
+      <p:ext uri="{BB962C8B-B14F-4D97-AF65-F5344CB8AC3E}">
+        <p14:creationId xmlns:p14="http://schemas.microsoft.com/office/powerpoint/2010/main" val="456158696"/>
+      </p:ext>
+    </p:extLst>
+  </p:cSld>
+  <p:clrMapOvr>
+    <a:masterClrMapping/>
+  </p:clrMapOvr>
+</p:sld>
+</file>
+
+<file path=ppt/slides/slide16.xml><?xml version="1.0" encoding="utf-8"?>
+<p:sld xmlns:a="http://schemas.openxmlformats.org/drawingml/2006/main" xmlns:r="http://schemas.openxmlformats.org/officeDocument/2006/relationships" xmlns:p="http://schemas.openxmlformats.org/presentationml/2006/main">
+  <p:cSld>
+    <p:spTree>
+      <p:nvGrpSpPr>
+        <p:cNvPr id="1" name=""/>
+        <p:cNvGrpSpPr/>
+        <p:nvPr/>
+      </p:nvGrpSpPr>
+      <p:grpSpPr>
+        <a:xfrm>
+          <a:off x="0" y="0"/>
+          <a:ext cx="0" cy="0"/>
+          <a:chOff x="0" y="0"/>
+          <a:chExt cx="0" cy="0"/>
+        </a:xfrm>
+      </p:grpSpPr>
+      <p:sp>
+        <p:nvSpPr>
+          <p:cNvPr id="2" name="Title 1"/>
+          <p:cNvSpPr>
+            <a:spLocks noGrp="1"/>
+          </p:cNvSpPr>
+          <p:nvPr>
+            <p:ph type="title"/>
+          </p:nvPr>
+        </p:nvSpPr>
+        <p:spPr/>
+        <p:txBody>
+          <a:bodyPr/>
+          <a:lstStyle/>
+          <a:p>
+            <a:r>
+              <a:rPr lang="en-US" dirty="0" err="1" smtClean="0"/>
+              <a:t>Upcasting</a:t>
+            </a:r>
+            <a:r>
+              <a:rPr lang="en-US" dirty="0" smtClean="0"/>
+              <a:t>, Late Binding, and </a:t>
+            </a:r>
+            <a:r>
+              <a:rPr lang="en-US" dirty="0" err="1" smtClean="0"/>
+              <a:t>Downcasting</a:t>
+            </a:r>
+            <a:endParaRPr lang="en-US" dirty="0"/>
+          </a:p>
+        </p:txBody>
+      </p:sp>
+      <p:sp>
+        <p:nvSpPr>
+          <p:cNvPr id="3" name="Content Placeholder 2"/>
+          <p:cNvSpPr>
+            <a:spLocks noGrp="1"/>
+          </p:cNvSpPr>
+          <p:nvPr>
+            <p:ph idx="1"/>
+          </p:nvPr>
+        </p:nvSpPr>
+        <p:spPr/>
+        <p:txBody>
+          <a:bodyPr>
+            <a:normAutofit/>
+          </a:bodyPr>
+          <a:lstStyle/>
+          <a:p>
+            <a:r>
+              <a:rPr lang="en-US" sz="2400" i="1" dirty="0" err="1" smtClean="0"/>
+              <a:t>Upcasting</a:t>
+            </a:r>
+            <a:r>
+              <a:rPr lang="en-US" sz="2400" dirty="0" smtClean="0"/>
+              <a:t> –converting an instance of a subclass to a superclass without the need for the cast operator</a:t>
+            </a:r>
+          </a:p>
+          <a:p>
+            <a:r>
+              <a:rPr lang="en-US" sz="2400" i="1" dirty="0" smtClean="0"/>
+              <a:t>Late Binding </a:t>
+            </a:r>
+            <a:r>
+              <a:rPr lang="en-US" sz="2400" dirty="0" smtClean="0"/>
+              <a:t>– when working with class hierarchies and </a:t>
+            </a:r>
+            <a:r>
+              <a:rPr lang="en-US" sz="2400" dirty="0" err="1" smtClean="0"/>
+              <a:t>upcasting</a:t>
+            </a:r>
+            <a:r>
+              <a:rPr lang="en-US" sz="2400" dirty="0" smtClean="0"/>
+              <a:t> objects, Java might not know which method to execute at compile time (the superclass’ method or the subclass’ method); the compiler inserts an instruction to rely on the object rather than the type for executing the appropriate method at run time.</a:t>
+            </a:r>
+          </a:p>
+          <a:p>
+            <a:r>
+              <a:rPr lang="en-US" sz="2400" i="1" dirty="0" err="1" smtClean="0"/>
+              <a:t>Downcasting</a:t>
+            </a:r>
+            <a:r>
+              <a:rPr lang="en-US" sz="2400" i="1" dirty="0" smtClean="0"/>
+              <a:t> </a:t>
+            </a:r>
+            <a:r>
+              <a:rPr lang="en-US" sz="2400" dirty="0" smtClean="0"/>
+              <a:t>– explicitly casting an instance of a superclass to an instance of a subclass; this is not always safe</a:t>
+            </a:r>
+            <a:endParaRPr lang="en-US" sz="2400" dirty="0"/>
+          </a:p>
+        </p:txBody>
+      </p:sp>
+    </p:spTree>
+    <p:extLst>
+      <p:ext uri="{BB962C8B-B14F-4D97-AF65-F5344CB8AC3E}">
+        <p14:creationId xmlns:p14="http://schemas.microsoft.com/office/powerpoint/2010/main" val="1163262004"/>
+      </p:ext>
+    </p:extLst>
+  </p:cSld>
+  <p:clrMapOvr>
+    <a:masterClrMapping/>
+  </p:clrMapOvr>
+</p:sld>
+</file>
+
+<file path=ppt/slides/slide17.xml><?xml version="1.0" encoding="utf-8"?>
+<p:sld xmlns:a="http://schemas.openxmlformats.org/drawingml/2006/main" xmlns:r="http://schemas.openxmlformats.org/officeDocument/2006/relationships" xmlns:p="http://schemas.openxmlformats.org/presentationml/2006/main">
+  <p:cSld>
+    <p:spTree>
+      <p:nvGrpSpPr>
+        <p:cNvPr id="1" name=""/>
+        <p:cNvGrpSpPr/>
+        <p:nvPr/>
+      </p:nvGrpSpPr>
+      <p:grpSpPr>
+        <a:xfrm>
+          <a:off x="0" y="0"/>
+          <a:ext cx="0" cy="0"/>
+          <a:chOff x="0" y="0"/>
+          <a:chExt cx="0" cy="0"/>
+        </a:xfrm>
+      </p:grpSpPr>
+      <p:sp>
+        <p:nvSpPr>
+          <p:cNvPr id="3" name="Title 2"/>
+          <p:cNvSpPr>
+            <a:spLocks noGrp="1"/>
+          </p:cNvSpPr>
+          <p:nvPr>
+            <p:ph type="title"/>
+          </p:nvPr>
+        </p:nvSpPr>
+        <p:spPr/>
+        <p:txBody>
+          <a:bodyPr/>
+          <a:lstStyle/>
+          <a:p>
+            <a:r>
+              <a:rPr lang="en-US" dirty="0" smtClean="0"/>
+              <a:t>Exercise </a:t>
+            </a:r>
+            <a:r>
+              <a:rPr lang="en-US" dirty="0" smtClean="0"/>
+              <a:t>#2</a:t>
+            </a:r>
+            <a:endParaRPr lang="en-US" dirty="0"/>
+          </a:p>
+        </p:txBody>
+      </p:sp>
+      <p:sp>
+        <p:nvSpPr>
+          <p:cNvPr id="4" name="Text Placeholder 3"/>
+          <p:cNvSpPr>
+            <a:spLocks noGrp="1"/>
+          </p:cNvSpPr>
+          <p:nvPr>
+            <p:ph idx="1"/>
+          </p:nvPr>
+        </p:nvSpPr>
+        <p:spPr/>
+        <p:txBody>
+          <a:bodyPr anchor="ctr">
+            <a:normAutofit/>
+          </a:bodyPr>
+          <a:lstStyle/>
+          <a:p>
+            <a:pPr marL="0" indent="0">
+              <a:buNone/>
+            </a:pPr>
+            <a:r>
+              <a:rPr lang="en-US" sz="2400" dirty="0"/>
+              <a:t>Add a class to the previous example that represents a collection of contacts, both of the base class and the derived class. The collection class should include a single method to add a contact, regardless of class, to the collection - this demonstrates </a:t>
+            </a:r>
+            <a:r>
+              <a:rPr lang="en-US" sz="2400" dirty="0" err="1"/>
+              <a:t>upcasting</a:t>
+            </a:r>
+            <a:r>
+              <a:rPr lang="en-US" sz="2400" dirty="0"/>
+              <a:t>. </a:t>
+            </a:r>
+            <a:r>
+              <a:rPr lang="en-US" sz="2400"/>
+              <a:t>The collection class should also include a method to iterate through the contacts and call their display methods - this demonstrates late binding.</a:t>
+            </a:r>
+            <a:endParaRPr lang="en-US" sz="2400" dirty="0"/>
+          </a:p>
+        </p:txBody>
+      </p:sp>
+    </p:spTree>
+    <p:extLst>
+      <p:ext uri="{BB962C8B-B14F-4D97-AF65-F5344CB8AC3E}">
+        <p14:creationId xmlns:p14="http://schemas.microsoft.com/office/powerpoint/2010/main" val="621386237"/>
       </p:ext>
     </p:extLst>
   </p:cSld>
@@ -4565,11 +5213,7 @@
             </a:r>
             <a:r>
               <a:rPr lang="en-US" sz="2800" dirty="0" smtClean="0"/>
-              <a:t>, pp. </a:t>
-            </a:r>
-            <a:r>
-              <a:rPr lang="en-US" sz="2800" dirty="0" smtClean="0"/>
-              <a:t>141-167, 169-174</a:t>
+              <a:t>, pp. 141-167, 169-174</a:t>
             </a:r>
             <a:endParaRPr lang="en-US" sz="2800" i="1" dirty="0"/>
           </a:p>
@@ -4719,21 +5363,13 @@
           <a:p>
             <a:r>
               <a:rPr lang="en-US" sz="3200" dirty="0" smtClean="0"/>
-              <a:t>We often classify things by saying things like “cars are a </a:t>
-            </a:r>
+              <a:t>We often classify things by saying things like “cars are a kind of vehicle” or “squares are a kind of rectangle and a rectangle is a kind of shape”.</a:t>
+            </a:r>
+          </a:p>
+          <a:p>
             <a:r>
               <a:rPr lang="en-US" sz="3200" dirty="0" smtClean="0"/>
-              <a:t>kind of vehicle” or “squares are a kind of rectangle and a rectangle is a kind of shape”.</a:t>
-            </a:r>
-          </a:p>
-          <a:p>
-            <a:r>
-              <a:rPr lang="en-US" sz="3200" dirty="0" smtClean="0"/>
-              <a:t>From a software development point of view, we mean cars </a:t>
-            </a:r>
-            <a:r>
-              <a:rPr lang="en-US" sz="3200" dirty="0" smtClean="0"/>
-              <a:t>have state and behaviors common to vehicles.</a:t>
+              <a:t>From a software development point of view, we mean cars have state and behaviors common to vehicles.</a:t>
             </a:r>
           </a:p>
           <a:p>
@@ -4865,11 +5501,7 @@
           <a:p>
             <a:r>
               <a:rPr lang="en-US" sz="2000" dirty="0" smtClean="0"/>
-              <a:t>In Java, </a:t>
-            </a:r>
-            <a:r>
-              <a:rPr lang="en-US" sz="2000" dirty="0" smtClean="0"/>
-              <a:t>implementation inheritance implies interface inheritance</a:t>
+              <a:t>In Java, implementation inheritance implies interface inheritance</a:t>
             </a:r>
             <a:endParaRPr lang="en-US" sz="2000" dirty="0"/>
           </a:p>
@@ -4987,7 +5619,6 @@
               <a:rPr lang="en-US" sz="2400" dirty="0" smtClean="0"/>
               <a:t>We can specify more specific methods and fields in the subclass</a:t>
             </a:r>
-            <a:endParaRPr lang="en-US" sz="2400" dirty="0" smtClean="0"/>
           </a:p>
         </p:txBody>
       </p:sp>
@@ -5126,16 +5757,7 @@
                 </a:solidFill>
                 <a:latin typeface="Consolas" panose="020B0609020204030204" pitchFamily="49" charset="0"/>
               </a:rPr>
-              <a:t> </a:t>
-            </a:r>
-            <a:r>
-              <a:rPr lang="en-US" altLang="en-US" sz="2000" dirty="0" smtClean="0">
-                <a:solidFill>
-                  <a:srgbClr val="FF0000"/>
-                </a:solidFill>
-                <a:latin typeface="Consolas" panose="020B0609020204030204" pitchFamily="49" charset="0"/>
-              </a:rPr>
-              <a:t>   // member declarations</a:t>
+              <a:t>    // member declarations</a:t>
             </a:r>
           </a:p>
           <a:p>
@@ -5666,7 +6288,6 @@
               <a:rPr lang="en-US" sz="2000" dirty="0" smtClean="0"/>
               <a:t>annotation to distinguish from overloaded methods</a:t>
             </a:r>
-            <a:endParaRPr lang="en-US" sz="2000" dirty="0" smtClean="0"/>
           </a:p>
         </p:txBody>
       </p:sp>

--- a/week_07_08/week_07_08.pptx
+++ b/week_07_08/week_07_08.pptx
@@ -213,7 +213,7 @@
           <a:p>
             <a:fld id="{A756DEA0-F944-5946-9B95-BC7B5255CD05}" type="datetimeFigureOut">
               <a:rPr lang="en-US" smtClean="0"/>
-              <a:t>3/9/16</a:t>
+              <a:t>10/10/2016</a:t>
             </a:fld>
             <a:endParaRPr lang="en-US"/>
           </a:p>
@@ -277,38 +277,37 @@
           <a:p>
             <a:pPr lvl="0"/>
             <a:r>
-              <a:rPr lang="en-US" smtClean="0"/>
+              <a:rPr lang="en-US"/>
               <a:t>Click to edit Master text styles</a:t>
             </a:r>
           </a:p>
           <a:p>
             <a:pPr lvl="1"/>
             <a:r>
-              <a:rPr lang="en-US" smtClean="0"/>
+              <a:rPr lang="en-US"/>
               <a:t>Second level</a:t>
             </a:r>
           </a:p>
           <a:p>
             <a:pPr lvl="2"/>
             <a:r>
-              <a:rPr lang="en-US" smtClean="0"/>
+              <a:rPr lang="en-US"/>
               <a:t>Third level</a:t>
             </a:r>
           </a:p>
           <a:p>
             <a:pPr lvl="3"/>
             <a:r>
-              <a:rPr lang="en-US" smtClean="0"/>
+              <a:rPr lang="en-US"/>
               <a:t>Fourth level</a:t>
             </a:r>
           </a:p>
           <a:p>
             <a:pPr lvl="4"/>
             <a:r>
-              <a:rPr lang="en-US" smtClean="0"/>
+              <a:rPr lang="en-US"/>
               <a:t>Fifth level</a:t>
             </a:r>
-            <a:endParaRPr lang="en-US"/>
           </a:p>
         </p:txBody>
       </p:sp>
@@ -794,7 +793,7 @@
           </a:lstStyle>
           <a:p>
             <a:r>
-              <a:rPr lang="en-US" smtClean="0"/>
+              <a:rPr lang="en-US"/>
               <a:t>Click to edit Master title style</a:t>
             </a:r>
             <a:endParaRPr lang="en-US" dirty="0"/>
@@ -867,7 +866,7 @@
           </a:lstStyle>
           <a:p>
             <a:r>
-              <a:rPr lang="en-US" smtClean="0"/>
+              <a:rPr lang="en-US"/>
               <a:t>Click to edit Master subtitle style</a:t>
             </a:r>
             <a:endParaRPr lang="en-US" dirty="0"/>
@@ -899,9 +898,9 @@
             </a:lvl1pPr>
           </a:lstStyle>
           <a:p>
-            <a:fld id="{9E016143-E03C-4CFD-AFDC-14E5BDEA754C}" type="datetimeFigureOut">
-              <a:rPr lang="en-US" dirty="0"/>
-              <a:t>3/9/16</a:t>
+            <a:fld id="{C5EA75F5-9C53-4C57-B9F1-F3208CA9B7F4}" type="datetime1">
+              <a:rPr lang="en-US" smtClean="0"/>
+              <a:t>10/10/2016</a:t>
             </a:fld>
             <a:endParaRPr lang="en-US" dirty="0"/>
           </a:p>
@@ -1049,83 +1048,83 @@
           <a:lstStyle/>
           <a:p>
             <a:r>
+              <a:rPr lang="en-US"/>
+              <a:t>Click to edit Master title style</a:t>
+            </a:r>
+            <a:endParaRPr lang="en-US" dirty="0"/>
+          </a:p>
+        </p:txBody>
+      </p:sp>
+      <p:sp>
+        <p:nvSpPr>
+          <p:cNvPr id="3" name="Vertical Text Placeholder 2"/>
+          <p:cNvSpPr>
+            <a:spLocks noGrp="1"/>
+          </p:cNvSpPr>
+          <p:nvPr>
+            <p:ph type="body" orient="vert" idx="1"/>
+          </p:nvPr>
+        </p:nvSpPr>
+        <p:spPr/>
+        <p:txBody>
+          <a:bodyPr vert="eaVert"/>
+          <a:lstStyle/>
+          <a:p>
+            <a:pPr lvl="0"/>
+            <a:r>
+              <a:rPr lang="en-US"/>
+              <a:t>Click to edit Master text styles</a:t>
+            </a:r>
+          </a:p>
+          <a:p>
+            <a:pPr lvl="1"/>
+            <a:r>
+              <a:rPr lang="en-US"/>
+              <a:t>Second level</a:t>
+            </a:r>
+          </a:p>
+          <a:p>
+            <a:pPr lvl="2"/>
+            <a:r>
+              <a:rPr lang="en-US"/>
+              <a:t>Third level</a:t>
+            </a:r>
+          </a:p>
+          <a:p>
+            <a:pPr lvl="3"/>
+            <a:r>
+              <a:rPr lang="en-US"/>
+              <a:t>Fourth level</a:t>
+            </a:r>
+          </a:p>
+          <a:p>
+            <a:pPr lvl="4"/>
+            <a:r>
+              <a:rPr lang="en-US"/>
+              <a:t>Fifth level</a:t>
+            </a:r>
+            <a:endParaRPr lang="en-US" dirty="0"/>
+          </a:p>
+        </p:txBody>
+      </p:sp>
+      <p:sp>
+        <p:nvSpPr>
+          <p:cNvPr id="4" name="Date Placeholder 3"/>
+          <p:cNvSpPr>
+            <a:spLocks noGrp="1"/>
+          </p:cNvSpPr>
+          <p:nvPr>
+            <p:ph type="dt" sz="half" idx="10"/>
+          </p:nvPr>
+        </p:nvSpPr>
+        <p:spPr/>
+        <p:txBody>
+          <a:bodyPr/>
+          <a:lstStyle/>
+          <a:p>
+            <a:fld id="{FC196B55-95CD-4416-8964-A30564121383}" type="datetime1">
               <a:rPr lang="en-US" smtClean="0"/>
-              <a:t>Click to edit Master title style</a:t>
-            </a:r>
-            <a:endParaRPr lang="en-US" dirty="0"/>
-          </a:p>
-        </p:txBody>
-      </p:sp>
-      <p:sp>
-        <p:nvSpPr>
-          <p:cNvPr id="3" name="Vertical Text Placeholder 2"/>
-          <p:cNvSpPr>
-            <a:spLocks noGrp="1"/>
-          </p:cNvSpPr>
-          <p:nvPr>
-            <p:ph type="body" orient="vert" idx="1"/>
-          </p:nvPr>
-        </p:nvSpPr>
-        <p:spPr/>
-        <p:txBody>
-          <a:bodyPr vert="eaVert"/>
-          <a:lstStyle/>
-          <a:p>
-            <a:pPr lvl="0"/>
-            <a:r>
-              <a:rPr lang="en-US" smtClean="0"/>
-              <a:t>Click to edit Master text styles</a:t>
-            </a:r>
-          </a:p>
-          <a:p>
-            <a:pPr lvl="1"/>
-            <a:r>
-              <a:rPr lang="en-US" smtClean="0"/>
-              <a:t>Second level</a:t>
-            </a:r>
-          </a:p>
-          <a:p>
-            <a:pPr lvl="2"/>
-            <a:r>
-              <a:rPr lang="en-US" smtClean="0"/>
-              <a:t>Third level</a:t>
-            </a:r>
-          </a:p>
-          <a:p>
-            <a:pPr lvl="3"/>
-            <a:r>
-              <a:rPr lang="en-US" smtClean="0"/>
-              <a:t>Fourth level</a:t>
-            </a:r>
-          </a:p>
-          <a:p>
-            <a:pPr lvl="4"/>
-            <a:r>
-              <a:rPr lang="en-US" smtClean="0"/>
-              <a:t>Fifth level</a:t>
-            </a:r>
-            <a:endParaRPr lang="en-US" dirty="0"/>
-          </a:p>
-        </p:txBody>
-      </p:sp>
-      <p:sp>
-        <p:nvSpPr>
-          <p:cNvPr id="4" name="Date Placeholder 3"/>
-          <p:cNvSpPr>
-            <a:spLocks noGrp="1"/>
-          </p:cNvSpPr>
-          <p:nvPr>
-            <p:ph type="dt" sz="half" idx="10"/>
-          </p:nvPr>
-        </p:nvSpPr>
-        <p:spPr/>
-        <p:txBody>
-          <a:bodyPr/>
-          <a:lstStyle/>
-          <a:p>
-            <a:fld id="{C033E54A-A8CA-48C1-9504-691B58049D29}" type="datetimeFigureOut">
-              <a:rPr lang="en-US" dirty="0"/>
-              <a:t>3/9/16</a:t>
+              <a:t>10/10/2016</a:t>
             </a:fld>
             <a:endParaRPr lang="en-US" dirty="0"/>
           </a:p>
@@ -1219,7 +1218,7 @@
           <a:lstStyle/>
           <a:p>
             <a:r>
-              <a:rPr lang="en-US" smtClean="0"/>
+              <a:rPr lang="en-US"/>
               <a:t>Click to edit Master title style</a:t>
             </a:r>
             <a:endParaRPr lang="en-US" dirty="0"/>
@@ -1248,59 +1247,59 @@
           <a:p>
             <a:pPr lvl="0"/>
             <a:r>
+              <a:rPr lang="en-US"/>
+              <a:t>Click to edit Master text styles</a:t>
+            </a:r>
+          </a:p>
+          <a:p>
+            <a:pPr lvl="1"/>
+            <a:r>
+              <a:rPr lang="en-US"/>
+              <a:t>Second level</a:t>
+            </a:r>
+          </a:p>
+          <a:p>
+            <a:pPr lvl="2"/>
+            <a:r>
+              <a:rPr lang="en-US"/>
+              <a:t>Third level</a:t>
+            </a:r>
+          </a:p>
+          <a:p>
+            <a:pPr lvl="3"/>
+            <a:r>
+              <a:rPr lang="en-US"/>
+              <a:t>Fourth level</a:t>
+            </a:r>
+          </a:p>
+          <a:p>
+            <a:pPr lvl="4"/>
+            <a:r>
+              <a:rPr lang="en-US"/>
+              <a:t>Fifth level</a:t>
+            </a:r>
+            <a:endParaRPr lang="en-US" dirty="0"/>
+          </a:p>
+        </p:txBody>
+      </p:sp>
+      <p:sp>
+        <p:nvSpPr>
+          <p:cNvPr id="4" name="Date Placeholder 3"/>
+          <p:cNvSpPr>
+            <a:spLocks noGrp="1"/>
+          </p:cNvSpPr>
+          <p:nvPr>
+            <p:ph type="dt" sz="half" idx="10"/>
+          </p:nvPr>
+        </p:nvSpPr>
+        <p:spPr/>
+        <p:txBody>
+          <a:bodyPr/>
+          <a:lstStyle/>
+          <a:p>
+            <a:fld id="{70C2EC10-3AAA-4469-8818-D58D91D054BE}" type="datetime1">
               <a:rPr lang="en-US" smtClean="0"/>
-              <a:t>Click to edit Master text styles</a:t>
-            </a:r>
-          </a:p>
-          <a:p>
-            <a:pPr lvl="1"/>
-            <a:r>
-              <a:rPr lang="en-US" smtClean="0"/>
-              <a:t>Second level</a:t>
-            </a:r>
-          </a:p>
-          <a:p>
-            <a:pPr lvl="2"/>
-            <a:r>
-              <a:rPr lang="en-US" smtClean="0"/>
-              <a:t>Third level</a:t>
-            </a:r>
-          </a:p>
-          <a:p>
-            <a:pPr lvl="3"/>
-            <a:r>
-              <a:rPr lang="en-US" smtClean="0"/>
-              <a:t>Fourth level</a:t>
-            </a:r>
-          </a:p>
-          <a:p>
-            <a:pPr lvl="4"/>
-            <a:r>
-              <a:rPr lang="en-US" smtClean="0"/>
-              <a:t>Fifth level</a:t>
-            </a:r>
-            <a:endParaRPr lang="en-US" dirty="0"/>
-          </a:p>
-        </p:txBody>
-      </p:sp>
-      <p:sp>
-        <p:nvSpPr>
-          <p:cNvPr id="4" name="Date Placeholder 3"/>
-          <p:cNvSpPr>
-            <a:spLocks noGrp="1"/>
-          </p:cNvSpPr>
-          <p:nvPr>
-            <p:ph type="dt" sz="half" idx="10"/>
-          </p:nvPr>
-        </p:nvSpPr>
-        <p:spPr/>
-        <p:txBody>
-          <a:bodyPr/>
-          <a:lstStyle/>
-          <a:p>
-            <a:fld id="{B5F6C806-BBF7-471C-9527-881CE2266695}" type="datetimeFigureOut">
-              <a:rPr lang="en-US" dirty="0"/>
-              <a:t>3/9/16</a:t>
+              <a:t>10/10/2016</a:t>
             </a:fld>
             <a:endParaRPr lang="en-US" dirty="0"/>
           </a:p>
@@ -1389,83 +1388,83 @@
           <a:lstStyle/>
           <a:p>
             <a:r>
+              <a:rPr lang="en-US"/>
+              <a:t>Click to edit Master title style</a:t>
+            </a:r>
+            <a:endParaRPr lang="en-US" dirty="0"/>
+          </a:p>
+        </p:txBody>
+      </p:sp>
+      <p:sp>
+        <p:nvSpPr>
+          <p:cNvPr id="3" name="Content Placeholder 2"/>
+          <p:cNvSpPr>
+            <a:spLocks noGrp="1"/>
+          </p:cNvSpPr>
+          <p:nvPr>
+            <p:ph idx="1"/>
+          </p:nvPr>
+        </p:nvSpPr>
+        <p:spPr/>
+        <p:txBody>
+          <a:bodyPr/>
+          <a:lstStyle/>
+          <a:p>
+            <a:pPr lvl="0"/>
+            <a:r>
+              <a:rPr lang="en-US"/>
+              <a:t>Click to edit Master text styles</a:t>
+            </a:r>
+          </a:p>
+          <a:p>
+            <a:pPr lvl="1"/>
+            <a:r>
+              <a:rPr lang="en-US"/>
+              <a:t>Second level</a:t>
+            </a:r>
+          </a:p>
+          <a:p>
+            <a:pPr lvl="2"/>
+            <a:r>
+              <a:rPr lang="en-US"/>
+              <a:t>Third level</a:t>
+            </a:r>
+          </a:p>
+          <a:p>
+            <a:pPr lvl="3"/>
+            <a:r>
+              <a:rPr lang="en-US"/>
+              <a:t>Fourth level</a:t>
+            </a:r>
+          </a:p>
+          <a:p>
+            <a:pPr lvl="4"/>
+            <a:r>
+              <a:rPr lang="en-US"/>
+              <a:t>Fifth level</a:t>
+            </a:r>
+            <a:endParaRPr lang="en-US" dirty="0"/>
+          </a:p>
+        </p:txBody>
+      </p:sp>
+      <p:sp>
+        <p:nvSpPr>
+          <p:cNvPr id="4" name="Date Placeholder 3"/>
+          <p:cNvSpPr>
+            <a:spLocks noGrp="1"/>
+          </p:cNvSpPr>
+          <p:nvPr>
+            <p:ph type="dt" sz="half" idx="10"/>
+          </p:nvPr>
+        </p:nvSpPr>
+        <p:spPr/>
+        <p:txBody>
+          <a:bodyPr/>
+          <a:lstStyle/>
+          <a:p>
+            <a:fld id="{09EF0F6F-D2AB-4DA5-8AD1-6900E3639D38}" type="datetime1">
               <a:rPr lang="en-US" smtClean="0"/>
-              <a:t>Click to edit Master title style</a:t>
-            </a:r>
-            <a:endParaRPr lang="en-US" dirty="0"/>
-          </a:p>
-        </p:txBody>
-      </p:sp>
-      <p:sp>
-        <p:nvSpPr>
-          <p:cNvPr id="3" name="Content Placeholder 2"/>
-          <p:cNvSpPr>
-            <a:spLocks noGrp="1"/>
-          </p:cNvSpPr>
-          <p:nvPr>
-            <p:ph idx="1"/>
-          </p:nvPr>
-        </p:nvSpPr>
-        <p:spPr/>
-        <p:txBody>
-          <a:bodyPr/>
-          <a:lstStyle/>
-          <a:p>
-            <a:pPr lvl="0"/>
-            <a:r>
-              <a:rPr lang="en-US" smtClean="0"/>
-              <a:t>Click to edit Master text styles</a:t>
-            </a:r>
-          </a:p>
-          <a:p>
-            <a:pPr lvl="1"/>
-            <a:r>
-              <a:rPr lang="en-US" smtClean="0"/>
-              <a:t>Second level</a:t>
-            </a:r>
-          </a:p>
-          <a:p>
-            <a:pPr lvl="2"/>
-            <a:r>
-              <a:rPr lang="en-US" smtClean="0"/>
-              <a:t>Third level</a:t>
-            </a:r>
-          </a:p>
-          <a:p>
-            <a:pPr lvl="3"/>
-            <a:r>
-              <a:rPr lang="en-US" smtClean="0"/>
-              <a:t>Fourth level</a:t>
-            </a:r>
-          </a:p>
-          <a:p>
-            <a:pPr lvl="4"/>
-            <a:r>
-              <a:rPr lang="en-US" smtClean="0"/>
-              <a:t>Fifth level</a:t>
-            </a:r>
-            <a:endParaRPr lang="en-US" dirty="0"/>
-          </a:p>
-        </p:txBody>
-      </p:sp>
-      <p:sp>
-        <p:nvSpPr>
-          <p:cNvPr id="4" name="Date Placeholder 3"/>
-          <p:cNvSpPr>
-            <a:spLocks noGrp="1"/>
-          </p:cNvSpPr>
-          <p:nvPr>
-            <p:ph type="dt" sz="half" idx="10"/>
-          </p:nvPr>
-        </p:nvSpPr>
-        <p:spPr/>
-        <p:txBody>
-          <a:bodyPr/>
-          <a:lstStyle/>
-          <a:p>
-            <a:fld id="{78C94063-DF36-4330-A365-08DA1FA5B7D6}" type="datetimeFigureOut">
-              <a:rPr lang="en-US" dirty="0"/>
-              <a:t>3/9/16</a:t>
+              <a:t>10/10/2016</a:t>
             </a:fld>
             <a:endParaRPr lang="en-US" dirty="0"/>
           </a:p>
@@ -1568,7 +1567,7 @@
           </a:lstStyle>
           <a:p>
             <a:r>
-              <a:rPr lang="en-US" smtClean="0"/>
+              <a:rPr lang="en-US"/>
               <a:t>Click to edit Master title style</a:t>
             </a:r>
             <a:endParaRPr lang="en-US" dirty="0"/>
@@ -1691,30 +1690,30 @@
           <a:p>
             <a:pPr lvl="0"/>
             <a:r>
+              <a:rPr lang="en-US"/>
+              <a:t>Click to edit Master text styles</a:t>
+            </a:r>
+          </a:p>
+        </p:txBody>
+      </p:sp>
+      <p:sp>
+        <p:nvSpPr>
+          <p:cNvPr id="4" name="Date Placeholder 3"/>
+          <p:cNvSpPr>
+            <a:spLocks noGrp="1"/>
+          </p:cNvSpPr>
+          <p:nvPr>
+            <p:ph type="dt" sz="half" idx="10"/>
+          </p:nvPr>
+        </p:nvSpPr>
+        <p:spPr/>
+        <p:txBody>
+          <a:bodyPr/>
+          <a:lstStyle/>
+          <a:p>
+            <a:fld id="{989B7EAF-0C39-44E8-8499-6BA407F3AEBC}" type="datetime1">
               <a:rPr lang="en-US" smtClean="0"/>
-              <a:t>Click to edit Master text styles</a:t>
-            </a:r>
-          </a:p>
-        </p:txBody>
-      </p:sp>
-      <p:sp>
-        <p:nvSpPr>
-          <p:cNvPr id="4" name="Date Placeholder 3"/>
-          <p:cNvSpPr>
-            <a:spLocks noGrp="1"/>
-          </p:cNvSpPr>
-          <p:nvPr>
-            <p:ph type="dt" sz="half" idx="10"/>
-          </p:nvPr>
-        </p:nvSpPr>
-        <p:spPr/>
-        <p:txBody>
-          <a:bodyPr/>
-          <a:lstStyle/>
-          <a:p>
-            <a:fld id="{908A7C6C-0F39-4D70-8E8D-FE5B9C95FA73}" type="datetimeFigureOut">
-              <a:rPr lang="en-US" dirty="0"/>
-              <a:t>3/9/16</a:t>
+              <a:t>10/10/2016</a:t>
             </a:fld>
             <a:endParaRPr lang="en-US" dirty="0"/>
           </a:p>
@@ -1841,7 +1840,7 @@
           <a:lstStyle/>
           <a:p>
             <a:r>
-              <a:rPr lang="en-US" smtClean="0"/>
+              <a:rPr lang="en-US"/>
               <a:t>Click to edit Master title style</a:t>
             </a:r>
             <a:endParaRPr lang="en-US" dirty="0"/>
@@ -1898,35 +1897,35 @@
           <a:p>
             <a:pPr lvl="0"/>
             <a:r>
-              <a:rPr lang="en-US" smtClean="0"/>
+              <a:rPr lang="en-US"/>
               <a:t>Click to edit Master text styles</a:t>
             </a:r>
           </a:p>
           <a:p>
             <a:pPr lvl="1"/>
             <a:r>
-              <a:rPr lang="en-US" smtClean="0"/>
+              <a:rPr lang="en-US"/>
               <a:t>Second level</a:t>
             </a:r>
           </a:p>
           <a:p>
             <a:pPr lvl="2"/>
             <a:r>
-              <a:rPr lang="en-US" smtClean="0"/>
+              <a:rPr lang="en-US"/>
               <a:t>Third level</a:t>
             </a:r>
           </a:p>
           <a:p>
             <a:pPr lvl="3"/>
             <a:r>
-              <a:rPr lang="en-US" smtClean="0"/>
+              <a:rPr lang="en-US"/>
               <a:t>Fourth level</a:t>
             </a:r>
           </a:p>
           <a:p>
             <a:pPr lvl="4"/>
             <a:r>
-              <a:rPr lang="en-US" smtClean="0"/>
+              <a:rPr lang="en-US"/>
               <a:t>Fifth level</a:t>
             </a:r>
             <a:endParaRPr lang="en-US" dirty="0"/>
@@ -1983,59 +1982,59 @@
           <a:p>
             <a:pPr lvl="0"/>
             <a:r>
+              <a:rPr lang="en-US"/>
+              <a:t>Click to edit Master text styles</a:t>
+            </a:r>
+          </a:p>
+          <a:p>
+            <a:pPr lvl="1"/>
+            <a:r>
+              <a:rPr lang="en-US"/>
+              <a:t>Second level</a:t>
+            </a:r>
+          </a:p>
+          <a:p>
+            <a:pPr lvl="2"/>
+            <a:r>
+              <a:rPr lang="en-US"/>
+              <a:t>Third level</a:t>
+            </a:r>
+          </a:p>
+          <a:p>
+            <a:pPr lvl="3"/>
+            <a:r>
+              <a:rPr lang="en-US"/>
+              <a:t>Fourth level</a:t>
+            </a:r>
+          </a:p>
+          <a:p>
+            <a:pPr lvl="4"/>
+            <a:r>
+              <a:rPr lang="en-US"/>
+              <a:t>Fifth level</a:t>
+            </a:r>
+            <a:endParaRPr lang="en-US" dirty="0"/>
+          </a:p>
+        </p:txBody>
+      </p:sp>
+      <p:sp>
+        <p:nvSpPr>
+          <p:cNvPr id="5" name="Date Placeholder 4"/>
+          <p:cNvSpPr>
+            <a:spLocks noGrp="1"/>
+          </p:cNvSpPr>
+          <p:nvPr>
+            <p:ph type="dt" sz="half" idx="10"/>
+          </p:nvPr>
+        </p:nvSpPr>
+        <p:spPr/>
+        <p:txBody>
+          <a:bodyPr/>
+          <a:lstStyle/>
+          <a:p>
+            <a:fld id="{5886F527-0E87-4BCD-B70D-567B75B5FC54}" type="datetime1">
               <a:rPr lang="en-US" smtClean="0"/>
-              <a:t>Click to edit Master text styles</a:t>
-            </a:r>
-          </a:p>
-          <a:p>
-            <a:pPr lvl="1"/>
-            <a:r>
-              <a:rPr lang="en-US" smtClean="0"/>
-              <a:t>Second level</a:t>
-            </a:r>
-          </a:p>
-          <a:p>
-            <a:pPr lvl="2"/>
-            <a:r>
-              <a:rPr lang="en-US" smtClean="0"/>
-              <a:t>Third level</a:t>
-            </a:r>
-          </a:p>
-          <a:p>
-            <a:pPr lvl="3"/>
-            <a:r>
-              <a:rPr lang="en-US" smtClean="0"/>
-              <a:t>Fourth level</a:t>
-            </a:r>
-          </a:p>
-          <a:p>
-            <a:pPr lvl="4"/>
-            <a:r>
-              <a:rPr lang="en-US" smtClean="0"/>
-              <a:t>Fifth level</a:t>
-            </a:r>
-            <a:endParaRPr lang="en-US" dirty="0"/>
-          </a:p>
-        </p:txBody>
-      </p:sp>
-      <p:sp>
-        <p:nvSpPr>
-          <p:cNvPr id="5" name="Date Placeholder 4"/>
-          <p:cNvSpPr>
-            <a:spLocks noGrp="1"/>
-          </p:cNvSpPr>
-          <p:nvPr>
-            <p:ph type="dt" sz="half" idx="10"/>
-          </p:nvPr>
-        </p:nvSpPr>
-        <p:spPr/>
-        <p:txBody>
-          <a:bodyPr/>
-          <a:lstStyle/>
-          <a:p>
-            <a:fld id="{DFCFA4AC-08CC-42CE-BD01-C191750A04EC}" type="datetimeFigureOut">
-              <a:rPr lang="en-US" dirty="0"/>
-              <a:t>3/9/16</a:t>
+              <a:t>10/10/2016</a:t>
             </a:fld>
             <a:endParaRPr lang="en-US" dirty="0"/>
           </a:p>
@@ -2124,7 +2123,7 @@
           <a:lstStyle/>
           <a:p>
             <a:r>
-              <a:rPr lang="en-US" smtClean="0"/>
+              <a:rPr lang="en-US"/>
               <a:t>Click to edit Master title style</a:t>
             </a:r>
             <a:endParaRPr lang="en-US" dirty="0"/>
@@ -2199,7 +2198,7 @@
           <a:p>
             <a:pPr lvl="0"/>
             <a:r>
-              <a:rPr lang="en-US" smtClean="0"/>
+              <a:rPr lang="en-US"/>
               <a:t>Click to edit Master text styles</a:t>
             </a:r>
           </a:p>
@@ -2255,35 +2254,35 @@
           <a:p>
             <a:pPr lvl="0"/>
             <a:r>
-              <a:rPr lang="en-US" smtClean="0"/>
+              <a:rPr lang="en-US"/>
               <a:t>Click to edit Master text styles</a:t>
             </a:r>
           </a:p>
           <a:p>
             <a:pPr lvl="1"/>
             <a:r>
-              <a:rPr lang="en-US" smtClean="0"/>
+              <a:rPr lang="en-US"/>
               <a:t>Second level</a:t>
             </a:r>
           </a:p>
           <a:p>
             <a:pPr lvl="2"/>
             <a:r>
-              <a:rPr lang="en-US" smtClean="0"/>
+              <a:rPr lang="en-US"/>
               <a:t>Third level</a:t>
             </a:r>
           </a:p>
           <a:p>
             <a:pPr lvl="3"/>
             <a:r>
-              <a:rPr lang="en-US" smtClean="0"/>
+              <a:rPr lang="en-US"/>
               <a:t>Fourth level</a:t>
             </a:r>
           </a:p>
           <a:p>
             <a:pPr lvl="4"/>
             <a:r>
-              <a:rPr lang="en-US" smtClean="0"/>
+              <a:rPr lang="en-US"/>
               <a:t>Fifth level</a:t>
             </a:r>
             <a:endParaRPr lang="en-US" dirty="0"/>
@@ -2373,7 +2372,7 @@
               <a:buNone/>
             </a:pPr>
             <a:r>
-              <a:rPr lang="en-US" smtClean="0"/>
+              <a:rPr lang="en-US"/>
               <a:t>Click to edit Master text styles</a:t>
             </a:r>
           </a:p>
@@ -2429,59 +2428,59 @@
           <a:p>
             <a:pPr lvl="0"/>
             <a:r>
+              <a:rPr lang="en-US"/>
+              <a:t>Click to edit Master text styles</a:t>
+            </a:r>
+          </a:p>
+          <a:p>
+            <a:pPr lvl="1"/>
+            <a:r>
+              <a:rPr lang="en-US"/>
+              <a:t>Second level</a:t>
+            </a:r>
+          </a:p>
+          <a:p>
+            <a:pPr lvl="2"/>
+            <a:r>
+              <a:rPr lang="en-US"/>
+              <a:t>Third level</a:t>
+            </a:r>
+          </a:p>
+          <a:p>
+            <a:pPr lvl="3"/>
+            <a:r>
+              <a:rPr lang="en-US"/>
+              <a:t>Fourth level</a:t>
+            </a:r>
+          </a:p>
+          <a:p>
+            <a:pPr lvl="4"/>
+            <a:r>
+              <a:rPr lang="en-US"/>
+              <a:t>Fifth level</a:t>
+            </a:r>
+            <a:endParaRPr lang="en-US" dirty="0"/>
+          </a:p>
+        </p:txBody>
+      </p:sp>
+      <p:sp>
+        <p:nvSpPr>
+          <p:cNvPr id="7" name="Date Placeholder 6"/>
+          <p:cNvSpPr>
+            <a:spLocks noGrp="1"/>
+          </p:cNvSpPr>
+          <p:nvPr>
+            <p:ph type="dt" sz="half" idx="10"/>
+          </p:nvPr>
+        </p:nvSpPr>
+        <p:spPr/>
+        <p:txBody>
+          <a:bodyPr/>
+          <a:lstStyle/>
+          <a:p>
+            <a:fld id="{A0DF246D-505E-42AC-8833-29EE4713D20B}" type="datetime1">
               <a:rPr lang="en-US" smtClean="0"/>
-              <a:t>Click to edit Master text styles</a:t>
-            </a:r>
-          </a:p>
-          <a:p>
-            <a:pPr lvl="1"/>
-            <a:r>
-              <a:rPr lang="en-US" smtClean="0"/>
-              <a:t>Second level</a:t>
-            </a:r>
-          </a:p>
-          <a:p>
-            <a:pPr lvl="2"/>
-            <a:r>
-              <a:rPr lang="en-US" smtClean="0"/>
-              <a:t>Third level</a:t>
-            </a:r>
-          </a:p>
-          <a:p>
-            <a:pPr lvl="3"/>
-            <a:r>
-              <a:rPr lang="en-US" smtClean="0"/>
-              <a:t>Fourth level</a:t>
-            </a:r>
-          </a:p>
-          <a:p>
-            <a:pPr lvl="4"/>
-            <a:r>
-              <a:rPr lang="en-US" smtClean="0"/>
-              <a:t>Fifth level</a:t>
-            </a:r>
-            <a:endParaRPr lang="en-US" dirty="0"/>
-          </a:p>
-        </p:txBody>
-      </p:sp>
-      <p:sp>
-        <p:nvSpPr>
-          <p:cNvPr id="7" name="Date Placeholder 6"/>
-          <p:cNvSpPr>
-            <a:spLocks noGrp="1"/>
-          </p:cNvSpPr>
-          <p:nvPr>
-            <p:ph type="dt" sz="half" idx="10"/>
-          </p:nvPr>
-        </p:nvSpPr>
-        <p:spPr/>
-        <p:txBody>
-          <a:bodyPr/>
-          <a:lstStyle/>
-          <a:p>
-            <a:fld id="{1BA7A723-92A7-435B-B681-F25B092FEFEB}" type="datetimeFigureOut">
-              <a:rPr lang="en-US" dirty="0"/>
-              <a:t>3/9/16</a:t>
+              <a:t>10/10/2016</a:t>
             </a:fld>
             <a:endParaRPr lang="en-US" dirty="0"/>
           </a:p>
@@ -2570,31 +2569,31 @@
           <a:lstStyle/>
           <a:p>
             <a:r>
+              <a:rPr lang="en-US"/>
+              <a:t>Click to edit Master title style</a:t>
+            </a:r>
+            <a:endParaRPr lang="en-US" dirty="0"/>
+          </a:p>
+        </p:txBody>
+      </p:sp>
+      <p:sp>
+        <p:nvSpPr>
+          <p:cNvPr id="3" name="Date Placeholder 2"/>
+          <p:cNvSpPr>
+            <a:spLocks noGrp="1"/>
+          </p:cNvSpPr>
+          <p:nvPr>
+            <p:ph type="dt" sz="half" idx="10"/>
+          </p:nvPr>
+        </p:nvSpPr>
+        <p:spPr/>
+        <p:txBody>
+          <a:bodyPr/>
+          <a:lstStyle/>
+          <a:p>
+            <a:fld id="{2890B447-952E-4F59-AC1F-0116EA635D33}" type="datetime1">
               <a:rPr lang="en-US" smtClean="0"/>
-              <a:t>Click to edit Master title style</a:t>
-            </a:r>
-            <a:endParaRPr lang="en-US" dirty="0"/>
-          </a:p>
-        </p:txBody>
-      </p:sp>
-      <p:sp>
-        <p:nvSpPr>
-          <p:cNvPr id="3" name="Date Placeholder 2"/>
-          <p:cNvSpPr>
-            <a:spLocks noGrp="1"/>
-          </p:cNvSpPr>
-          <p:nvPr>
-            <p:ph type="dt" sz="half" idx="10"/>
-          </p:nvPr>
-        </p:nvSpPr>
-        <p:spPr/>
-        <p:txBody>
-          <a:bodyPr/>
-          <a:lstStyle/>
-          <a:p>
-            <a:fld id="{4F170639-886C-4FCF-9EAB-ABB5DA3F3F4A}" type="datetimeFigureOut">
-              <a:rPr lang="en-US" dirty="0"/>
-              <a:t>3/9/16</a:t>
+              <a:t>10/10/2016</a:t>
             </a:fld>
             <a:endParaRPr lang="en-US" dirty="0"/>
           </a:p>
@@ -2682,9 +2681,9 @@
           <a:bodyPr/>
           <a:lstStyle/>
           <a:p>
-            <a:fld id="{22230651-31F4-45D2-98AE-A2108F41BC07}" type="datetimeFigureOut">
-              <a:rPr lang="en-US" dirty="0"/>
-              <a:t>3/9/16</a:t>
+            <a:fld id="{3EF54D9E-748D-41D1-8E9A-189407821B85}" type="datetime1">
+              <a:rPr lang="en-US" smtClean="0"/>
+              <a:t>10/10/2016</a:t>
             </a:fld>
             <a:endParaRPr lang="en-US" dirty="0"/>
           </a:p>
@@ -2784,7 +2783,7 @@
           </a:lstStyle>
           <a:p>
             <a:r>
-              <a:rPr lang="en-US" smtClean="0"/>
+              <a:rPr lang="en-US"/>
               <a:t>Click to edit Master title style</a:t>
             </a:r>
             <a:endParaRPr lang="en-US" dirty="0"/>
@@ -2841,35 +2840,35 @@
           <a:p>
             <a:pPr lvl="0"/>
             <a:r>
-              <a:rPr lang="en-US" smtClean="0"/>
+              <a:rPr lang="en-US"/>
               <a:t>Click to edit Master text styles</a:t>
             </a:r>
           </a:p>
           <a:p>
             <a:pPr lvl="1"/>
             <a:r>
-              <a:rPr lang="en-US" smtClean="0"/>
+              <a:rPr lang="en-US"/>
               <a:t>Second level</a:t>
             </a:r>
           </a:p>
           <a:p>
             <a:pPr lvl="2"/>
             <a:r>
-              <a:rPr lang="en-US" smtClean="0"/>
+              <a:rPr lang="en-US"/>
               <a:t>Third level</a:t>
             </a:r>
           </a:p>
           <a:p>
             <a:pPr lvl="3"/>
             <a:r>
-              <a:rPr lang="en-US" smtClean="0"/>
+              <a:rPr lang="en-US"/>
               <a:t>Fourth level</a:t>
             </a:r>
           </a:p>
           <a:p>
             <a:pPr lvl="4"/>
             <a:r>
-              <a:rPr lang="en-US" smtClean="0"/>
+              <a:rPr lang="en-US"/>
               <a:t>Fifth level</a:t>
             </a:r>
             <a:endParaRPr lang="en-US" dirty="0"/>
@@ -2943,30 +2942,30 @@
           <a:p>
             <a:pPr lvl="0"/>
             <a:r>
+              <a:rPr lang="en-US"/>
+              <a:t>Click to edit Master text styles</a:t>
+            </a:r>
+          </a:p>
+        </p:txBody>
+      </p:sp>
+      <p:sp>
+        <p:nvSpPr>
+          <p:cNvPr id="5" name="Date Placeholder 4"/>
+          <p:cNvSpPr>
+            <a:spLocks noGrp="1"/>
+          </p:cNvSpPr>
+          <p:nvPr>
+            <p:ph type="dt" sz="half" idx="10"/>
+          </p:nvPr>
+        </p:nvSpPr>
+        <p:spPr/>
+        <p:txBody>
+          <a:bodyPr/>
+          <a:lstStyle/>
+          <a:p>
+            <a:fld id="{7C9B8561-1BBF-41EC-9127-6AF41D23B667}" type="datetime1">
               <a:rPr lang="en-US" smtClean="0"/>
-              <a:t>Click to edit Master text styles</a:t>
-            </a:r>
-          </a:p>
-        </p:txBody>
-      </p:sp>
-      <p:sp>
-        <p:nvSpPr>
-          <p:cNvPr id="5" name="Date Placeholder 4"/>
-          <p:cNvSpPr>
-            <a:spLocks noGrp="1"/>
-          </p:cNvSpPr>
-          <p:nvPr>
-            <p:ph type="dt" sz="half" idx="10"/>
-          </p:nvPr>
-        </p:nvSpPr>
-        <p:spPr/>
-        <p:txBody>
-          <a:bodyPr/>
-          <a:lstStyle/>
-          <a:p>
-            <a:fld id="{6F53789A-C914-4DB1-8815-80B5EC7335C5}" type="datetimeFigureOut">
-              <a:rPr lang="en-US" dirty="0"/>
-              <a:t>3/9/16</a:t>
+              <a:t>10/10/2016</a:t>
             </a:fld>
             <a:endParaRPr lang="en-US" dirty="0"/>
           </a:p>
@@ -3108,7 +3107,7 @@
           </a:lstStyle>
           <a:p>
             <a:r>
-              <a:rPr lang="en-US" smtClean="0"/>
+              <a:rPr lang="en-US"/>
               <a:t>Click to edit Master title style</a:t>
             </a:r>
             <a:endParaRPr lang="en-US" dirty="0"/>
@@ -3183,7 +3182,7 @@
           </a:lstStyle>
           <a:p>
             <a:r>
-              <a:rPr lang="en-US" smtClean="0"/>
+              <a:rPr lang="en-US"/>
               <a:t>Drag picture to placeholder or click icon to add</a:t>
             </a:r>
             <a:endParaRPr lang="en-US" dirty="0"/>
@@ -3263,30 +3262,30 @@
           <a:p>
             <a:pPr lvl="0"/>
             <a:r>
+              <a:rPr lang="en-US"/>
+              <a:t>Click to edit Master text styles</a:t>
+            </a:r>
+          </a:p>
+        </p:txBody>
+      </p:sp>
+      <p:sp>
+        <p:nvSpPr>
+          <p:cNvPr id="5" name="Date Placeholder 4"/>
+          <p:cNvSpPr>
+            <a:spLocks noGrp="1"/>
+          </p:cNvSpPr>
+          <p:nvPr>
+            <p:ph type="dt" sz="half" idx="10"/>
+          </p:nvPr>
+        </p:nvSpPr>
+        <p:spPr/>
+        <p:txBody>
+          <a:bodyPr/>
+          <a:lstStyle/>
+          <a:p>
+            <a:fld id="{059F584D-11ED-4273-A4D2-F852542F5BB5}" type="datetime1">
               <a:rPr lang="en-US" smtClean="0"/>
-              <a:t>Click to edit Master text styles</a:t>
-            </a:r>
-          </a:p>
-        </p:txBody>
-      </p:sp>
-      <p:sp>
-        <p:nvSpPr>
-          <p:cNvPr id="5" name="Date Placeholder 4"/>
-          <p:cNvSpPr>
-            <a:spLocks noGrp="1"/>
-          </p:cNvSpPr>
-          <p:nvPr>
-            <p:ph type="dt" sz="half" idx="10"/>
-          </p:nvPr>
-        </p:nvSpPr>
-        <p:spPr/>
-        <p:txBody>
-          <a:bodyPr/>
-          <a:lstStyle/>
-          <a:p>
-            <a:fld id="{5E6440AA-91A0-436F-8FDB-C0F939DCAE21}" type="datetimeFigureOut">
-              <a:rPr lang="en-US" dirty="0"/>
-              <a:t>3/9/16</a:t>
+              <a:t>10/10/2016</a:t>
             </a:fld>
             <a:endParaRPr lang="en-US" dirty="0"/>
           </a:p>
@@ -3430,7 +3429,7 @@
           <a:lstStyle/>
           <a:p>
             <a:r>
-              <a:rPr lang="en-US" smtClean="0"/>
+              <a:rPr lang="en-US"/>
               <a:t>Click to edit Master title style</a:t>
             </a:r>
             <a:endParaRPr lang="en-US" dirty="0"/>
@@ -3464,35 +3463,35 @@
           <a:p>
             <a:pPr lvl="0"/>
             <a:r>
-              <a:rPr lang="en-US" smtClean="0"/>
+              <a:rPr lang="en-US"/>
               <a:t>Click to edit Master text styles</a:t>
             </a:r>
           </a:p>
           <a:p>
             <a:pPr lvl="1"/>
             <a:r>
-              <a:rPr lang="en-US" smtClean="0"/>
+              <a:rPr lang="en-US"/>
               <a:t>Second level</a:t>
             </a:r>
           </a:p>
           <a:p>
             <a:pPr lvl="2"/>
             <a:r>
-              <a:rPr lang="en-US" smtClean="0"/>
+              <a:rPr lang="en-US"/>
               <a:t>Third level</a:t>
             </a:r>
           </a:p>
           <a:p>
             <a:pPr lvl="3"/>
             <a:r>
-              <a:rPr lang="en-US" smtClean="0"/>
+              <a:rPr lang="en-US"/>
               <a:t>Fourth level</a:t>
             </a:r>
           </a:p>
           <a:p>
             <a:pPr lvl="4"/>
             <a:r>
-              <a:rPr lang="en-US" smtClean="0"/>
+              <a:rPr lang="en-US"/>
               <a:t>Fifth level</a:t>
             </a:r>
             <a:endParaRPr lang="en-US" dirty="0"/>
@@ -3533,9 +3532,9 @@
             </a:lvl1pPr>
           </a:lstStyle>
           <a:p>
-            <a:fld id="{0E59FD0C-5451-4CA0-86AF-E70AE3279989}" type="datetimeFigureOut">
-              <a:rPr lang="en-US" dirty="0"/>
-              <a:t>3/9/16</a:t>
+            <a:fld id="{C347BE70-8F30-4E43-BA14-F2F900FE7F6E}" type="datetime1">
+              <a:rPr lang="en-US" smtClean="0"/>
+              <a:t>10/10/2016</a:t>
             </a:fld>
             <a:endParaRPr lang="en-US" dirty="0"/>
           </a:p>
@@ -3640,7 +3639,7 @@
     <p:sldLayoutId id="2147483850" r:id="rId10"/>
     <p:sldLayoutId id="2147483851" r:id="rId11"/>
   </p:sldLayoutIdLst>
-  <p:hf sldNum="0" hdr="0" ftr="0" dt="0"/>
+  <p:hf hdr="0" ftr="0" dt="0"/>
   <p:txStyles>
     <p:titleStyle>
       <a:lvl1pPr algn="l" defTabSz="914400" rtl="0" eaLnBrk="1" latinLnBrk="0" hangingPunct="1">
@@ -4036,10 +4035,9 @@
           <a:lstStyle/>
           <a:p>
             <a:r>
-              <a:rPr lang="en-US" dirty="0" smtClean="0"/>
+              <a:rPr lang="en-US" dirty="0"/>
               <a:t>Programming Fundamentals for Android</a:t>
             </a:r>
-            <a:endParaRPr lang="en-US" dirty="0"/>
           </a:p>
         </p:txBody>
       </p:sp>
@@ -4059,15 +4057,34 @@
           <a:lstStyle/>
           <a:p>
             <a:r>
-              <a:rPr lang="en-US" dirty="0" smtClean="0"/>
+              <a:rPr lang="en-US" dirty="0"/>
               <a:t>Weeks 7 and 8: Inheritance and Polymorphism</a:t>
             </a:r>
           </a:p>
-          <a:p>
-            <a:r>
-              <a:rPr lang="en-US" dirty="0" smtClean="0"/>
-              <a:t>March 3, 2016 and March 10, 2016</a:t>
-            </a:r>
+        </p:txBody>
+      </p:sp>
+      <p:sp>
+        <p:nvSpPr>
+          <p:cNvPr id="4" name="Slide Number Placeholder 3"/>
+          <p:cNvSpPr>
+            <a:spLocks noGrp="1"/>
+          </p:cNvSpPr>
+          <p:nvPr>
+            <p:ph type="sldNum" sz="quarter" idx="12"/>
+          </p:nvPr>
+        </p:nvSpPr>
+        <p:spPr/>
+        <p:txBody>
+          <a:bodyPr>
+            <a:normAutofit lnSpcReduction="10000"/>
+          </a:bodyPr>
+          <a:lstStyle/>
+          <a:p>
+            <a:fld id="{4FAB73BC-B049-4115-A692-8D63A059BFB8}" type="slidenum">
+              <a:rPr lang="en-US" smtClean="0"/>
+              <a:pPr/>
+              <a:t>1</a:t>
+            </a:fld>
             <a:endParaRPr lang="en-US" dirty="0"/>
           </a:p>
         </p:txBody>
@@ -4118,10 +4135,9 @@
           <a:lstStyle/>
           <a:p>
             <a:r>
-              <a:rPr lang="en-US" dirty="0" smtClean="0"/>
+              <a:rPr lang="en-US" dirty="0"/>
               <a:t>Exercise #1</a:t>
             </a:r>
-            <a:endParaRPr lang="en-US" dirty="0"/>
           </a:p>
         </p:txBody>
       </p:sp>
@@ -4146,53 +4162,34 @@
               <a:buNone/>
             </a:pPr>
             <a:r>
-              <a:rPr lang="en-US" sz="2400" dirty="0" smtClean="0"/>
-              <a:t>Write </a:t>
-            </a:r>
-            <a:r>
               <a:rPr lang="en-US" sz="2400" dirty="0"/>
-              <a:t>a program that includes a class representing contact information fora person including their name and email address.  This class should </a:t>
-            </a:r>
-            <a:r>
-              <a:rPr lang="en-US" sz="2400" dirty="0" smtClean="0"/>
-              <a:t>include a </a:t>
-            </a:r>
-            <a:r>
-              <a:rPr lang="en-US" sz="2400" dirty="0"/>
-              <a:t>method for displaying the contact's name and email address.  The </a:t>
-            </a:r>
-            <a:r>
-              <a:rPr lang="en-US" sz="2400" dirty="0" smtClean="0"/>
-              <a:t>program should </a:t>
-            </a:r>
-            <a:r>
-              <a:rPr lang="en-US" sz="2400" dirty="0"/>
-              <a:t>also include a class for business contacts that extends the </a:t>
-            </a:r>
-            <a:r>
-              <a:rPr lang="en-US" sz="2400" dirty="0" smtClean="0"/>
-              <a:t>contact class </a:t>
-            </a:r>
-            <a:r>
-              <a:rPr lang="en-US" sz="2400" dirty="0"/>
-              <a:t>and stores the contact's phone number.  The business contact </a:t>
-            </a:r>
-            <a:r>
-              <a:rPr lang="en-US" sz="2400" dirty="0" smtClean="0"/>
-              <a:t>class should </a:t>
-            </a:r>
-            <a:r>
-              <a:rPr lang="en-US" sz="2400" dirty="0"/>
-              <a:t>override the base class's method that displays the name and </a:t>
-            </a:r>
-            <a:r>
-              <a:rPr lang="en-US" sz="2400" dirty="0" smtClean="0"/>
-              <a:t>email address </a:t>
-            </a:r>
-            <a:r>
-              <a:rPr lang="en-US" sz="2400" dirty="0"/>
-              <a:t>so that it displays the phone number in addition to the name and email address. Create instances of both classes to demonstrate functionality.</a:t>
-            </a:r>
+              <a:t>Write a program that includes a class representing contact information for a person including their name and email address.  This class should include a method for displaying the contact's name and email address.  The program should also include a class for business contacts that extends the contact class and stores the contact's phone number.  The business contact class should override the base class‘s method that displays the name and email address so that it displays the phone number in addition to the name and email address. Create instances of both classes to demonstrate functionality.</a:t>
+            </a:r>
+          </a:p>
+        </p:txBody>
+      </p:sp>
+      <p:sp>
+        <p:nvSpPr>
+          <p:cNvPr id="2" name="Slide Number Placeholder 1"/>
+          <p:cNvSpPr>
+            <a:spLocks noGrp="1"/>
+          </p:cNvSpPr>
+          <p:nvPr>
+            <p:ph type="sldNum" sz="quarter" idx="12"/>
+          </p:nvPr>
+        </p:nvSpPr>
+        <p:spPr/>
+        <p:txBody>
+          <a:bodyPr>
+            <a:normAutofit lnSpcReduction="10000"/>
+          </a:bodyPr>
+          <a:lstStyle/>
+          <a:p>
+            <a:fld id="{4FAB73BC-B049-4115-A692-8D63A059BFB8}" type="slidenum">
+              <a:rPr lang="en-US" smtClean="0"/>
+              <a:t>10</a:t>
+            </a:fld>
+            <a:endParaRPr lang="en-US" dirty="0"/>
           </a:p>
         </p:txBody>
       </p:sp>
@@ -4242,10 +4239,9 @@
           <a:lstStyle/>
           <a:p>
             <a:r>
-              <a:rPr lang="en-US" dirty="0" smtClean="0"/>
+              <a:rPr lang="en-US" dirty="0"/>
               <a:t>Object Class</a:t>
             </a:r>
-            <a:endParaRPr lang="en-US" dirty="0"/>
           </a:p>
         </p:txBody>
       </p:sp>
@@ -4275,8 +4271,20 @@
                 <a:tableStyleId>{5C22544A-7EE6-4342-B048-85BDC9FD1C3A}</a:tableStyleId>
               </a:tblPr>
               <a:tblGrid>
-                <a:gridCol w="3083906"/>
-                <a:gridCol w="5510820"/>
+                <a:gridCol w="3083906">
+                  <a:extLst>
+                    <a:ext uri="{9D8B030D-6E8A-4147-A177-3AD203B41FA5}">
+                      <a16:colId xmlns:a16="http://schemas.microsoft.com/office/drawing/2014/main" val="20000"/>
+                    </a:ext>
+                  </a:extLst>
+                </a:gridCol>
+                <a:gridCol w="5510820">
+                  <a:extLst>
+                    <a:ext uri="{9D8B030D-6E8A-4147-A177-3AD203B41FA5}">
+                      <a16:colId xmlns:a16="http://schemas.microsoft.com/office/drawing/2014/main" val="20001"/>
+                    </a:ext>
+                  </a:extLst>
+                </a:gridCol>
               </a:tblGrid>
               <a:tr h="555742">
                 <a:tc>
@@ -4317,6 +4325,11 @@
                   </a:txBody>
                   <a:tcPr anchor="ctr"/>
                 </a:tc>
+                <a:extLst>
+                  <a:ext uri="{0D108BD9-81ED-4DB2-BD59-A6C34878D82A}">
+                    <a16:rowId xmlns:a16="http://schemas.microsoft.com/office/drawing/2014/main" val="10000"/>
+                  </a:ext>
+                </a:extLst>
               </a:tr>
               <a:tr h="959227">
                 <a:tc>
@@ -4351,6 +4364,11 @@
                   </a:txBody>
                   <a:tcPr anchor="ctr"/>
                 </a:tc>
+                <a:extLst>
+                  <a:ext uri="{0D108BD9-81ED-4DB2-BD59-A6C34878D82A}">
+                    <a16:rowId xmlns:a16="http://schemas.microsoft.com/office/drawing/2014/main" val="10001"/>
+                  </a:ext>
+                </a:extLst>
               </a:tr>
               <a:tr h="555742">
                 <a:tc>
@@ -4412,6 +4430,11 @@
                   </a:txBody>
                   <a:tcPr anchor="ctr"/>
                 </a:tc>
+                <a:extLst>
+                  <a:ext uri="{0D108BD9-81ED-4DB2-BD59-A6C34878D82A}">
+                    <a16:rowId xmlns:a16="http://schemas.microsoft.com/office/drawing/2014/main" val="10002"/>
+                  </a:ext>
+                </a:extLst>
               </a:tr>
               <a:tr h="555742">
                 <a:tc>
@@ -4446,6 +4469,11 @@
                   </a:txBody>
                   <a:tcPr anchor="ctr"/>
                 </a:tc>
+                <a:extLst>
+                  <a:ext uri="{0D108BD9-81ED-4DB2-BD59-A6C34878D82A}">
+                    <a16:rowId xmlns:a16="http://schemas.microsoft.com/office/drawing/2014/main" val="10003"/>
+                  </a:ext>
+                </a:extLst>
               </a:tr>
               <a:tr h="959227">
                 <a:tc>
@@ -4480,11 +4508,41 @@
                   </a:txBody>
                   <a:tcPr anchor="ctr"/>
                 </a:tc>
+                <a:extLst>
+                  <a:ext uri="{0D108BD9-81ED-4DB2-BD59-A6C34878D82A}">
+                    <a16:rowId xmlns:a16="http://schemas.microsoft.com/office/drawing/2014/main" val="10004"/>
+                  </a:ext>
+                </a:extLst>
               </a:tr>
             </a:tbl>
           </a:graphicData>
         </a:graphic>
       </p:graphicFrame>
+      <p:sp>
+        <p:nvSpPr>
+          <p:cNvPr id="2" name="Slide Number Placeholder 1"/>
+          <p:cNvSpPr>
+            <a:spLocks noGrp="1"/>
+          </p:cNvSpPr>
+          <p:nvPr>
+            <p:ph type="sldNum" sz="quarter" idx="12"/>
+          </p:nvPr>
+        </p:nvSpPr>
+        <p:spPr/>
+        <p:txBody>
+          <a:bodyPr>
+            <a:normAutofit lnSpcReduction="10000"/>
+          </a:bodyPr>
+          <a:lstStyle/>
+          <a:p>
+            <a:fld id="{4FAB73BC-B049-4115-A692-8D63A059BFB8}" type="slidenum">
+              <a:rPr lang="en-US" smtClean="0"/>
+              <a:t>11</a:t>
+            </a:fld>
+            <a:endParaRPr lang="en-US" dirty="0"/>
+          </a:p>
+        </p:txBody>
+      </p:sp>
     </p:spTree>
     <p:extLst>
       <p:ext uri="{BB962C8B-B14F-4D97-AF65-F5344CB8AC3E}">
@@ -4531,10 +4589,9 @@
           <a:lstStyle/>
           <a:p>
             <a:r>
-              <a:rPr lang="en-US" dirty="0" smtClean="0"/>
+              <a:rPr lang="en-US" dirty="0"/>
               <a:t>Equality</a:t>
             </a:r>
-            <a:endParaRPr lang="en-US" dirty="0"/>
           </a:p>
         </p:txBody>
       </p:sp>
@@ -4556,23 +4613,48 @@
           <a:lstStyle/>
           <a:p>
             <a:r>
-              <a:rPr lang="en-US" sz="2800" dirty="0" smtClean="0"/>
+              <a:rPr lang="en-US" sz="2800" dirty="0"/>
               <a:t>== and != operators represent reference equality</a:t>
             </a:r>
           </a:p>
           <a:p>
             <a:r>
-              <a:rPr lang="en-US" sz="2800" dirty="0" smtClean="0"/>
+              <a:rPr lang="en-US" sz="2800" dirty="0"/>
               <a:t>We can override the </a:t>
             </a:r>
             <a:r>
-              <a:rPr lang="en-US" sz="2800" dirty="0" err="1" smtClean="0"/>
+              <a:rPr lang="en-US" sz="2800" dirty="0" err="1"/>
               <a:t>Object.equals</a:t>
             </a:r>
             <a:r>
-              <a:rPr lang="en-US" sz="2800" dirty="0" smtClean="0"/>
-              <a:t>() method to implement equality that is more meaningful for the Classes we define</a:t>
-            </a:r>
+              <a:rPr lang="en-US" sz="2800" dirty="0"/>
+              <a:t>() method to implement equality that is more meaningful for the classes we define</a:t>
+            </a:r>
+          </a:p>
+        </p:txBody>
+      </p:sp>
+      <p:sp>
+        <p:nvSpPr>
+          <p:cNvPr id="4" name="Slide Number Placeholder 3"/>
+          <p:cNvSpPr>
+            <a:spLocks noGrp="1"/>
+          </p:cNvSpPr>
+          <p:nvPr>
+            <p:ph type="sldNum" sz="quarter" idx="12"/>
+          </p:nvPr>
+        </p:nvSpPr>
+        <p:spPr/>
+        <p:txBody>
+          <a:bodyPr>
+            <a:normAutofit lnSpcReduction="10000"/>
+          </a:bodyPr>
+          <a:lstStyle/>
+          <a:p>
+            <a:fld id="{4FAB73BC-B049-4115-A692-8D63A059BFB8}" type="slidenum">
+              <a:rPr lang="en-US" smtClean="0"/>
+              <a:t>12</a:t>
+            </a:fld>
+            <a:endParaRPr lang="en-US" dirty="0"/>
           </a:p>
         </p:txBody>
       </p:sp>
@@ -4622,10 +4704,9 @@
           <a:lstStyle/>
           <a:p>
             <a:r>
-              <a:rPr lang="en-US" dirty="0" smtClean="0"/>
+              <a:rPr lang="en-US" dirty="0"/>
               <a:t>Composition	</a:t>
             </a:r>
-            <a:endParaRPr lang="en-US" dirty="0"/>
           </a:p>
         </p:txBody>
       </p:sp>
@@ -4647,46 +4728,70 @@
           <a:lstStyle/>
           <a:p>
             <a:r>
-              <a:rPr lang="en-US" sz="2400" dirty="0" smtClean="0"/>
+              <a:rPr lang="en-US" sz="2400" dirty="0"/>
               <a:t>Implementation inheritance breaks encapsulation: derived class relies on implementation of base class</a:t>
             </a:r>
           </a:p>
           <a:p>
             <a:r>
-              <a:rPr lang="en-US" sz="2400" dirty="0" smtClean="0"/>
+              <a:rPr lang="en-US" sz="2400" dirty="0"/>
               <a:t>Changes to base class can result in broken derived classes</a:t>
             </a:r>
           </a:p>
           <a:p>
             <a:r>
-              <a:rPr lang="en-US" sz="2400" dirty="0" smtClean="0"/>
+              <a:rPr lang="en-US" sz="2400" dirty="0"/>
               <a:t>Can also provide functionally similar to multiple implementation inheritance</a:t>
             </a:r>
           </a:p>
           <a:p>
             <a:r>
-              <a:rPr lang="en-US" sz="2400" dirty="0" smtClean="0"/>
+              <a:rPr lang="en-US" sz="2400" dirty="0"/>
               <a:t>We can </a:t>
             </a:r>
             <a:r>
-              <a:rPr lang="en-US" sz="2400" i="1" dirty="0" smtClean="0"/>
+              <a:rPr lang="en-US" sz="2400" i="1" dirty="0"/>
               <a:t>wrap </a:t>
             </a:r>
             <a:r>
-              <a:rPr lang="en-US" sz="2400" dirty="0" smtClean="0"/>
+              <a:rPr lang="en-US" sz="2400" dirty="0"/>
               <a:t>other classes with our classes using </a:t>
             </a:r>
             <a:r>
-              <a:rPr lang="en-US" sz="2400" i="1" dirty="0" smtClean="0"/>
+              <a:rPr lang="en-US" sz="2400" i="1" dirty="0"/>
               <a:t>composition</a:t>
             </a:r>
           </a:p>
           <a:p>
             <a:r>
-              <a:rPr lang="en-US" sz="2400" dirty="0" smtClean="0"/>
+              <a:rPr lang="en-US" sz="2400" dirty="0"/>
               <a:t>Inheritance describes a “is-a” relationship, composition describes a “has-a” relationship</a:t>
             </a:r>
-            <a:endParaRPr lang="en-US" sz="2400" dirty="0"/>
+          </a:p>
+        </p:txBody>
+      </p:sp>
+      <p:sp>
+        <p:nvSpPr>
+          <p:cNvPr id="4" name="Slide Number Placeholder 3"/>
+          <p:cNvSpPr>
+            <a:spLocks noGrp="1"/>
+          </p:cNvSpPr>
+          <p:nvPr>
+            <p:ph type="sldNum" sz="quarter" idx="12"/>
+          </p:nvPr>
+        </p:nvSpPr>
+        <p:spPr/>
+        <p:txBody>
+          <a:bodyPr>
+            <a:normAutofit lnSpcReduction="10000"/>
+          </a:bodyPr>
+          <a:lstStyle/>
+          <a:p>
+            <a:fld id="{4FAB73BC-B049-4115-A692-8D63A059BFB8}" type="slidenum">
+              <a:rPr lang="en-US" smtClean="0"/>
+              <a:t>13</a:t>
+            </a:fld>
+            <a:endParaRPr lang="en-US" dirty="0"/>
           </a:p>
         </p:txBody>
       </p:sp>
@@ -4736,10 +4841,9 @@
           <a:lstStyle/>
           <a:p>
             <a:r>
-              <a:rPr lang="en-US" dirty="0" smtClean="0"/>
+              <a:rPr lang="en-US" dirty="0"/>
               <a:t>Polymorphism</a:t>
             </a:r>
-            <a:endParaRPr lang="en-US" dirty="0"/>
           </a:p>
         </p:txBody>
       </p:sp>
@@ -4759,9 +4863,33 @@
           <a:lstStyle/>
           <a:p>
             <a:r>
-              <a:rPr lang="en-US" dirty="0" smtClean="0"/>
+              <a:rPr lang="en-US" dirty="0"/>
               <a:t>The ability to treat an object as being of different types</a:t>
             </a:r>
+          </a:p>
+        </p:txBody>
+      </p:sp>
+      <p:sp>
+        <p:nvSpPr>
+          <p:cNvPr id="2" name="Slide Number Placeholder 1"/>
+          <p:cNvSpPr>
+            <a:spLocks noGrp="1"/>
+          </p:cNvSpPr>
+          <p:nvPr>
+            <p:ph type="sldNum" sz="quarter" idx="12"/>
+          </p:nvPr>
+        </p:nvSpPr>
+        <p:spPr/>
+        <p:txBody>
+          <a:bodyPr>
+            <a:normAutofit lnSpcReduction="10000"/>
+          </a:bodyPr>
+          <a:lstStyle/>
+          <a:p>
+            <a:fld id="{4FAB73BC-B049-4115-A692-8D63A059BFB8}" type="slidenum">
+              <a:rPr lang="en-US" smtClean="0"/>
+              <a:t>14</a:t>
+            </a:fld>
             <a:endParaRPr lang="en-US" dirty="0"/>
           </a:p>
         </p:txBody>
@@ -4812,10 +4940,9 @@
           <a:lstStyle/>
           <a:p>
             <a:r>
-              <a:rPr lang="en-US" dirty="0" smtClean="0"/>
+              <a:rPr lang="en-US" dirty="0"/>
               <a:t>Types of polymorphism in Java</a:t>
             </a:r>
-            <a:endParaRPr lang="en-US" dirty="0"/>
           </a:p>
         </p:txBody>
       </p:sp>
@@ -4835,85 +4962,110 @@
           <a:lstStyle/>
           <a:p>
             <a:r>
-              <a:rPr lang="en-US" sz="2000" i="1" dirty="0" smtClean="0"/>
+              <a:rPr lang="en-US" sz="2000" i="1" dirty="0"/>
               <a:t>Coercion</a:t>
             </a:r>
             <a:r>
-              <a:rPr lang="en-US" sz="2000" dirty="0" smtClean="0"/>
+              <a:rPr lang="en-US" sz="2000" dirty="0"/>
               <a:t> – an operation servers </a:t>
             </a:r>
             <a:r>
-              <a:rPr lang="en-US" sz="2000" dirty="0" err="1" smtClean="0"/>
+              <a:rPr lang="en-US" sz="2000" dirty="0" err="1"/>
               <a:t>mutliple</a:t>
             </a:r>
             <a:r>
-              <a:rPr lang="en-US" sz="2000" dirty="0" smtClean="0"/>
+              <a:rPr lang="en-US" sz="2000" dirty="0"/>
               <a:t> types through implicit conversion, e.g. division is defined for two </a:t>
             </a:r>
             <a:r>
-              <a:rPr lang="en-US" sz="2000" dirty="0" err="1" smtClean="0"/>
+              <a:rPr lang="en-US" sz="2000" dirty="0" err="1"/>
               <a:t>ints</a:t>
             </a:r>
             <a:r>
-              <a:rPr lang="en-US" sz="2000" dirty="0" smtClean="0"/>
+              <a:rPr lang="en-US" sz="2000" dirty="0"/>
               <a:t> and two doubles but not an </a:t>
             </a:r>
             <a:r>
-              <a:rPr lang="en-US" sz="2000" dirty="0" err="1" smtClean="0"/>
+              <a:rPr lang="en-US" sz="2000" dirty="0" err="1"/>
               <a:t>int</a:t>
             </a:r>
             <a:r>
-              <a:rPr lang="en-US" sz="2000" dirty="0" smtClean="0"/>
+              <a:rPr lang="en-US" sz="2000" dirty="0"/>
               <a:t> and a double but we can perform the operation between an </a:t>
             </a:r>
             <a:r>
-              <a:rPr lang="en-US" sz="2000" dirty="0" err="1" smtClean="0"/>
+              <a:rPr lang="en-US" sz="2000" dirty="0" err="1"/>
               <a:t>int</a:t>
             </a:r>
             <a:r>
-              <a:rPr lang="en-US" sz="2000" dirty="0" smtClean="0"/>
+              <a:rPr lang="en-US" sz="2000" dirty="0"/>
               <a:t> and a double</a:t>
             </a:r>
           </a:p>
           <a:p>
             <a:r>
-              <a:rPr lang="en-US" sz="2000" i="1" dirty="0" smtClean="0"/>
+              <a:rPr lang="en-US" sz="2000" i="1" dirty="0"/>
               <a:t>Overloading</a:t>
             </a:r>
             <a:r>
-              <a:rPr lang="en-US" sz="2000" dirty="0" smtClean="0"/>
+              <a:rPr lang="en-US" sz="2000" dirty="0"/>
               <a:t> – the same operator or method can take different parameters</a:t>
             </a:r>
           </a:p>
           <a:p>
             <a:r>
-              <a:rPr lang="en-US" sz="2000" i="1" dirty="0" smtClean="0"/>
+              <a:rPr lang="en-US" sz="2000" i="1" dirty="0"/>
               <a:t>Parametric</a:t>
             </a:r>
             <a:r>
-              <a:rPr lang="en-US" sz="2000" dirty="0" smtClean="0"/>
+              <a:rPr lang="en-US" sz="2000" dirty="0"/>
               <a:t> – within a class declaration, a field name can associate with different types and a method can associate with different parameter and return types</a:t>
             </a:r>
           </a:p>
           <a:p>
             <a:r>
-              <a:rPr lang="en-US" sz="2000" i="1" dirty="0" smtClean="0"/>
+              <a:rPr lang="en-US" sz="2000" i="1" dirty="0"/>
               <a:t>Subtype</a:t>
             </a:r>
             <a:r>
-              <a:rPr lang="en-US" sz="2000" dirty="0" smtClean="0"/>
+              <a:rPr lang="en-US" sz="2000" dirty="0"/>
               <a:t> – when a subclass is used in a superclass context, a call to the </a:t>
             </a:r>
             <a:r>
-              <a:rPr lang="en-US" sz="2000" dirty="0" err="1" smtClean="0"/>
+              <a:rPr lang="en-US" sz="2000" dirty="0" err="1"/>
               <a:t>supeclass’s</a:t>
             </a:r>
             <a:r>
-              <a:rPr lang="en-US" sz="2000" dirty="0" smtClean="0"/>
+              <a:rPr lang="en-US" sz="2000" dirty="0"/>
               <a:t> method results in the execution of the subclass’s method</a:t>
             </a:r>
           </a:p>
           <a:p>
+            <a:endParaRPr lang="en-US" dirty="0"/>
+          </a:p>
+        </p:txBody>
+      </p:sp>
+      <p:sp>
+        <p:nvSpPr>
+          <p:cNvPr id="2" name="Slide Number Placeholder 1"/>
+          <p:cNvSpPr>
+            <a:spLocks noGrp="1"/>
+          </p:cNvSpPr>
+          <p:nvPr>
+            <p:ph type="sldNum" sz="quarter" idx="12"/>
+          </p:nvPr>
+        </p:nvSpPr>
+        <p:spPr/>
+        <p:txBody>
+          <a:bodyPr>
+            <a:normAutofit lnSpcReduction="10000"/>
+          </a:bodyPr>
+          <a:lstStyle/>
+          <a:p>
+            <a:fld id="{4FAB73BC-B049-4115-A692-8D63A059BFB8}" type="slidenum">
+              <a:rPr lang="en-US" smtClean="0"/>
+              <a:t>15</a:t>
+            </a:fld>
             <a:endParaRPr lang="en-US" dirty="0"/>
           </a:p>
         </p:txBody>
@@ -4964,15 +5116,15 @@
           <a:lstStyle/>
           <a:p>
             <a:r>
-              <a:rPr lang="en-US" dirty="0" err="1" smtClean="0"/>
+              <a:rPr lang="en-US" dirty="0" err="1"/>
               <a:t>Upcasting</a:t>
             </a:r>
             <a:r>
-              <a:rPr lang="en-US" dirty="0" smtClean="0"/>
+              <a:rPr lang="en-US" dirty="0"/>
               <a:t>, Late Binding, and </a:t>
             </a:r>
             <a:r>
-              <a:rPr lang="en-US" dirty="0" err="1" smtClean="0"/>
+              <a:rPr lang="en-US" dirty="0" err="1"/>
               <a:t>Downcasting</a:t>
             </a:r>
             <a:endParaRPr lang="en-US" dirty="0"/>
@@ -4997,46 +5149,70 @@
           <a:lstStyle/>
           <a:p>
             <a:r>
-              <a:rPr lang="en-US" sz="2400" i="1" dirty="0" err="1" smtClean="0"/>
+              <a:rPr lang="en-US" sz="2400" i="1" dirty="0" err="1"/>
               <a:t>Upcasting</a:t>
             </a:r>
             <a:r>
-              <a:rPr lang="en-US" sz="2400" dirty="0" smtClean="0"/>
+              <a:rPr lang="en-US" sz="2400" dirty="0"/>
               <a:t> –converting an instance of a subclass to a superclass without the need for the cast operator</a:t>
             </a:r>
           </a:p>
           <a:p>
             <a:r>
-              <a:rPr lang="en-US" sz="2400" i="1" dirty="0" smtClean="0"/>
+              <a:rPr lang="en-US" sz="2400" i="1" dirty="0"/>
               <a:t>Late Binding </a:t>
             </a:r>
             <a:r>
-              <a:rPr lang="en-US" sz="2400" dirty="0" smtClean="0"/>
+              <a:rPr lang="en-US" sz="2400" dirty="0"/>
               <a:t>– when working with class hierarchies and </a:t>
             </a:r>
             <a:r>
-              <a:rPr lang="en-US" sz="2400" dirty="0" err="1" smtClean="0"/>
+              <a:rPr lang="en-US" sz="2400" dirty="0" err="1"/>
               <a:t>upcasting</a:t>
             </a:r>
             <a:r>
-              <a:rPr lang="en-US" sz="2400" dirty="0" smtClean="0"/>
+              <a:rPr lang="en-US" sz="2400" dirty="0"/>
               <a:t> objects, Java might not know which method to execute at compile time (the superclass’ method or the subclass’ method); the compiler inserts an instruction to rely on the object rather than the type for executing the appropriate method at run time.</a:t>
             </a:r>
           </a:p>
           <a:p>
             <a:r>
-              <a:rPr lang="en-US" sz="2400" i="1" dirty="0" err="1" smtClean="0"/>
+              <a:rPr lang="en-US" sz="2400" i="1" dirty="0" err="1"/>
               <a:t>Downcasting</a:t>
             </a:r>
             <a:r>
-              <a:rPr lang="en-US" sz="2400" i="1" dirty="0" smtClean="0"/>
+              <a:rPr lang="en-US" sz="2400" i="1" dirty="0"/>
               <a:t> </a:t>
             </a:r>
             <a:r>
-              <a:rPr lang="en-US" sz="2400" dirty="0" smtClean="0"/>
+              <a:rPr lang="en-US" sz="2400" dirty="0"/>
               <a:t>– explicitly casting an instance of a superclass to an instance of a subclass; this is not always safe</a:t>
             </a:r>
-            <a:endParaRPr lang="en-US" sz="2400" dirty="0"/>
+          </a:p>
+        </p:txBody>
+      </p:sp>
+      <p:sp>
+        <p:nvSpPr>
+          <p:cNvPr id="4" name="Slide Number Placeholder 3"/>
+          <p:cNvSpPr>
+            <a:spLocks noGrp="1"/>
+          </p:cNvSpPr>
+          <p:nvPr>
+            <p:ph type="sldNum" sz="quarter" idx="12"/>
+          </p:nvPr>
+        </p:nvSpPr>
+        <p:spPr/>
+        <p:txBody>
+          <a:bodyPr>
+            <a:normAutofit lnSpcReduction="10000"/>
+          </a:bodyPr>
+          <a:lstStyle/>
+          <a:p>
+            <a:fld id="{4FAB73BC-B049-4115-A692-8D63A059BFB8}" type="slidenum">
+              <a:rPr lang="en-US" smtClean="0"/>
+              <a:t>16</a:t>
+            </a:fld>
+            <a:endParaRPr lang="en-US" dirty="0"/>
           </a:p>
         </p:txBody>
       </p:sp>
@@ -5086,14 +5262,9 @@
           <a:lstStyle/>
           <a:p>
             <a:r>
-              <a:rPr lang="en-US" dirty="0" smtClean="0"/>
-              <a:t>Exercise </a:t>
-            </a:r>
-            <a:r>
-              <a:rPr lang="en-US" dirty="0" smtClean="0"/>
-              <a:t>#2</a:t>
-            </a:r>
-            <a:endParaRPr lang="en-US" dirty="0"/>
+              <a:rPr lang="en-US" dirty="0"/>
+              <a:t>Exercise #2</a:t>
+            </a:r>
           </a:p>
         </p:txBody>
       </p:sp>
@@ -5134,6 +5305,31 @@
               <a:t>The collection class should also include a method to iterate through the contacts and call their display methods - this demonstrates late binding.</a:t>
             </a:r>
             <a:endParaRPr lang="en-US" sz="2400" dirty="0"/>
+          </a:p>
+        </p:txBody>
+      </p:sp>
+      <p:sp>
+        <p:nvSpPr>
+          <p:cNvPr id="2" name="Slide Number Placeholder 1"/>
+          <p:cNvSpPr>
+            <a:spLocks noGrp="1"/>
+          </p:cNvSpPr>
+          <p:nvPr>
+            <p:ph type="sldNum" sz="quarter" idx="12"/>
+          </p:nvPr>
+        </p:nvSpPr>
+        <p:spPr/>
+        <p:txBody>
+          <a:bodyPr>
+            <a:normAutofit lnSpcReduction="10000"/>
+          </a:bodyPr>
+          <a:lstStyle/>
+          <a:p>
+            <a:fld id="{4FAB73BC-B049-4115-A692-8D63A059BFB8}" type="slidenum">
+              <a:rPr lang="en-US" smtClean="0"/>
+              <a:t>17</a:t>
+            </a:fld>
+            <a:endParaRPr lang="en-US" dirty="0"/>
           </a:p>
         </p:txBody>
       </p:sp>
@@ -5183,10 +5379,9 @@
           <a:lstStyle/>
           <a:p>
             <a:r>
-              <a:rPr lang="en-US" dirty="0" smtClean="0"/>
+              <a:rPr lang="en-US" dirty="0"/>
               <a:t>Corresponding Text</a:t>
             </a:r>
-            <a:endParaRPr lang="en-US" dirty="0"/>
           </a:p>
         </p:txBody>
       </p:sp>
@@ -5208,14 +5403,39 @@
           <a:lstStyle/>
           <a:p>
             <a:r>
-              <a:rPr lang="en-US" sz="2800" i="1" dirty="0" smtClean="0"/>
+              <a:rPr lang="en-US" sz="2800" i="1" dirty="0"/>
               <a:t>Learn Java for Android Development</a:t>
             </a:r>
             <a:r>
-              <a:rPr lang="en-US" sz="2800" dirty="0" smtClean="0"/>
+              <a:rPr lang="en-US" sz="2800" dirty="0"/>
               <a:t>, pp. 141-167, 169-174</a:t>
             </a:r>
             <a:endParaRPr lang="en-US" sz="2800" i="1" dirty="0"/>
+          </a:p>
+        </p:txBody>
+      </p:sp>
+      <p:sp>
+        <p:nvSpPr>
+          <p:cNvPr id="4" name="Slide Number Placeholder 3"/>
+          <p:cNvSpPr>
+            <a:spLocks noGrp="1"/>
+          </p:cNvSpPr>
+          <p:nvPr>
+            <p:ph type="sldNum" sz="quarter" idx="12"/>
+          </p:nvPr>
+        </p:nvSpPr>
+        <p:spPr/>
+        <p:txBody>
+          <a:bodyPr>
+            <a:normAutofit lnSpcReduction="10000"/>
+          </a:bodyPr>
+          <a:lstStyle/>
+          <a:p>
+            <a:fld id="{4FAB73BC-B049-4115-A692-8D63A059BFB8}" type="slidenum">
+              <a:rPr lang="en-US" smtClean="0"/>
+              <a:t>2</a:t>
+            </a:fld>
+            <a:endParaRPr lang="en-US" dirty="0"/>
           </a:p>
         </p:txBody>
       </p:sp>
@@ -5265,10 +5485,9 @@
           <a:lstStyle/>
           <a:p>
             <a:r>
-              <a:rPr lang="en-US" dirty="0" smtClean="0"/>
+              <a:rPr lang="en-US" dirty="0"/>
               <a:t>Extending Classes</a:t>
             </a:r>
-            <a:endParaRPr lang="en-US" dirty="0"/>
           </a:p>
         </p:txBody>
       </p:sp>
@@ -5288,6 +5507,31 @@
           <a:lstStyle/>
           <a:p>
             <a:endParaRPr lang="en-US"/>
+          </a:p>
+        </p:txBody>
+      </p:sp>
+      <p:sp>
+        <p:nvSpPr>
+          <p:cNvPr id="2" name="Slide Number Placeholder 1"/>
+          <p:cNvSpPr>
+            <a:spLocks noGrp="1"/>
+          </p:cNvSpPr>
+          <p:nvPr>
+            <p:ph type="sldNum" sz="quarter" idx="12"/>
+          </p:nvPr>
+        </p:nvSpPr>
+        <p:spPr/>
+        <p:txBody>
+          <a:bodyPr>
+            <a:normAutofit lnSpcReduction="10000"/>
+          </a:bodyPr>
+          <a:lstStyle/>
+          <a:p>
+            <a:fld id="{4FAB73BC-B049-4115-A692-8D63A059BFB8}" type="slidenum">
+              <a:rPr lang="en-US" smtClean="0"/>
+              <a:t>3</a:t>
+            </a:fld>
+            <a:endParaRPr lang="en-US" dirty="0"/>
           </a:p>
         </p:txBody>
       </p:sp>
@@ -5337,10 +5581,9 @@
           <a:lstStyle/>
           <a:p>
             <a:r>
-              <a:rPr lang="en-US" dirty="0" smtClean="0"/>
+              <a:rPr lang="en-US" dirty="0"/>
               <a:t>Extending Classes</a:t>
             </a:r>
-            <a:endParaRPr lang="en-US" dirty="0"/>
           </a:p>
         </p:txBody>
       </p:sp>
@@ -5362,44 +5605,69 @@
           <a:lstStyle/>
           <a:p>
             <a:r>
-              <a:rPr lang="en-US" sz="3200" dirty="0" smtClean="0"/>
+              <a:rPr lang="en-US" sz="3200" dirty="0"/>
               <a:t>We often classify things by saying things like “cars are a kind of vehicle” or “squares are a kind of rectangle and a rectangle is a kind of shape”.</a:t>
             </a:r>
           </a:p>
           <a:p>
             <a:r>
-              <a:rPr lang="en-US" sz="3200" dirty="0" smtClean="0"/>
+              <a:rPr lang="en-US" sz="3200" dirty="0"/>
               <a:t>From a software development point of view, we mean cars have state and behaviors common to vehicles.</a:t>
             </a:r>
           </a:p>
           <a:p>
             <a:r>
-              <a:rPr lang="en-US" sz="3200" dirty="0" smtClean="0"/>
+              <a:rPr lang="en-US" sz="3200" dirty="0"/>
               <a:t>Cars </a:t>
             </a:r>
             <a:r>
-              <a:rPr lang="en-US" sz="3200" i="1" dirty="0" smtClean="0"/>
+              <a:rPr lang="en-US" sz="3200" i="1" dirty="0"/>
               <a:t>inherit</a:t>
             </a:r>
             <a:r>
-              <a:rPr lang="en-US" sz="3200" dirty="0" smtClean="0"/>
+              <a:rPr lang="en-US" sz="3200" dirty="0"/>
               <a:t> state and behaviors from vehicles</a:t>
             </a:r>
           </a:p>
           <a:p>
             <a:r>
-              <a:rPr lang="en-US" sz="3200" b="1" dirty="0" smtClean="0"/>
+              <a:rPr lang="en-US" sz="3200" b="1" dirty="0"/>
               <a:t>Inheritance</a:t>
             </a:r>
             <a:r>
-              <a:rPr lang="en-US" sz="3200" b="1" i="1" dirty="0" smtClean="0"/>
+              <a:rPr lang="en-US" sz="3200" b="1" i="1" dirty="0"/>
               <a:t> </a:t>
             </a:r>
             <a:r>
-              <a:rPr lang="en-US" sz="3200" dirty="0" smtClean="0"/>
+              <a:rPr lang="en-US" sz="3200" dirty="0"/>
               <a:t>is a hierarchical relationship between similar categories where one category inherits state and behaviors from another category.</a:t>
             </a:r>
-            <a:endParaRPr lang="en-US" sz="3200" b="1" dirty="0" smtClean="0"/>
+            <a:endParaRPr lang="en-US" sz="3200" b="1" dirty="0"/>
+          </a:p>
+        </p:txBody>
+      </p:sp>
+      <p:sp>
+        <p:nvSpPr>
+          <p:cNvPr id="4" name="Slide Number Placeholder 3"/>
+          <p:cNvSpPr>
+            <a:spLocks noGrp="1"/>
+          </p:cNvSpPr>
+          <p:nvPr>
+            <p:ph type="sldNum" sz="quarter" idx="12"/>
+          </p:nvPr>
+        </p:nvSpPr>
+        <p:spPr/>
+        <p:txBody>
+          <a:bodyPr>
+            <a:normAutofit lnSpcReduction="10000"/>
+          </a:bodyPr>
+          <a:lstStyle/>
+          <a:p>
+            <a:fld id="{4FAB73BC-B049-4115-A692-8D63A059BFB8}" type="slidenum">
+              <a:rPr lang="en-US" smtClean="0"/>
+              <a:t>4</a:t>
+            </a:fld>
+            <a:endParaRPr lang="en-US" dirty="0"/>
           </a:p>
         </p:txBody>
       </p:sp>
@@ -5449,10 +5717,9 @@
           <a:lstStyle/>
           <a:p>
             <a:r>
-              <a:rPr lang="en-US" dirty="0" smtClean="0"/>
+              <a:rPr lang="en-US" dirty="0"/>
               <a:t>Types of Inheritance</a:t>
             </a:r>
-            <a:endParaRPr lang="en-US" dirty="0"/>
           </a:p>
         </p:txBody>
       </p:sp>
@@ -5474,36 +5741,60 @@
           <a:lstStyle/>
           <a:p>
             <a:r>
-              <a:rPr lang="en-US" sz="2000" b="1" dirty="0" smtClean="0"/>
+              <a:rPr lang="en-US" sz="2000" b="1" dirty="0"/>
               <a:t>Implementation inheritance </a:t>
             </a:r>
             <a:r>
-              <a:rPr lang="en-US" sz="2000" dirty="0" smtClean="0"/>
+              <a:rPr lang="en-US" sz="2000" dirty="0"/>
               <a:t>refers to one class being able to reuse another class’s state and behaviors through extension</a:t>
             </a:r>
           </a:p>
           <a:p>
             <a:r>
-              <a:rPr lang="en-US" sz="2000" b="1" dirty="0" smtClean="0"/>
+              <a:rPr lang="en-US" sz="2000" b="1" dirty="0"/>
               <a:t>Interface inheritance</a:t>
             </a:r>
             <a:r>
-              <a:rPr lang="en-US" sz="2000" dirty="0" smtClean="0"/>
+              <a:rPr lang="en-US" sz="2000" dirty="0"/>
               <a:t> refers to one class inheriting another class’s behavior templates – guides for what behavior should be supported without code to provide an implementation</a:t>
             </a:r>
           </a:p>
           <a:p>
             <a:r>
-              <a:rPr lang="en-US" sz="2000" dirty="0" smtClean="0"/>
+              <a:rPr lang="en-US" sz="2000" dirty="0"/>
               <a:t>Java supports single inheritance for implementation inheritance and multiple inheritance for interface inheritance</a:t>
             </a:r>
           </a:p>
           <a:p>
             <a:r>
-              <a:rPr lang="en-US" sz="2000" dirty="0" smtClean="0"/>
+              <a:rPr lang="en-US" sz="2000" dirty="0"/>
               <a:t>In Java, implementation inheritance implies interface inheritance</a:t>
             </a:r>
-            <a:endParaRPr lang="en-US" sz="2000" dirty="0"/>
+          </a:p>
+        </p:txBody>
+      </p:sp>
+      <p:sp>
+        <p:nvSpPr>
+          <p:cNvPr id="4" name="Slide Number Placeholder 3"/>
+          <p:cNvSpPr>
+            <a:spLocks noGrp="1"/>
+          </p:cNvSpPr>
+          <p:nvPr>
+            <p:ph type="sldNum" sz="quarter" idx="12"/>
+          </p:nvPr>
+        </p:nvSpPr>
+        <p:spPr/>
+        <p:txBody>
+          <a:bodyPr>
+            <a:normAutofit lnSpcReduction="10000"/>
+          </a:bodyPr>
+          <a:lstStyle/>
+          <a:p>
+            <a:fld id="{4FAB73BC-B049-4115-A692-8D63A059BFB8}" type="slidenum">
+              <a:rPr lang="en-US" smtClean="0"/>
+              <a:t>5</a:t>
+            </a:fld>
+            <a:endParaRPr lang="en-US" dirty="0"/>
           </a:p>
         </p:txBody>
       </p:sp>
@@ -5553,10 +5844,9 @@
           <a:lstStyle/>
           <a:p>
             <a:r>
-              <a:rPr lang="en-US" dirty="0" smtClean="0"/>
+              <a:rPr lang="en-US" dirty="0"/>
               <a:t>Extending Classes</a:t>
             </a:r>
-            <a:endParaRPr lang="en-US" dirty="0"/>
           </a:p>
         </p:txBody>
       </p:sp>
@@ -5583,40 +5873,40 @@
           <a:lstStyle/>
           <a:p>
             <a:r>
-              <a:rPr lang="en-US" sz="2400" dirty="0" smtClean="0"/>
+              <a:rPr lang="en-US" sz="2400" dirty="0"/>
               <a:t>To specify implementation inheritance, use the </a:t>
             </a:r>
             <a:r>
-              <a:rPr lang="en-US" sz="2400" i="1" dirty="0" smtClean="0"/>
+              <a:rPr lang="en-US" sz="2400" i="1" dirty="0"/>
               <a:t>extends </a:t>
             </a:r>
             <a:r>
-              <a:rPr lang="en-US" sz="2400" dirty="0" smtClean="0"/>
+              <a:rPr lang="en-US" sz="2400" dirty="0"/>
               <a:t>reserved word</a:t>
             </a:r>
           </a:p>
           <a:p>
             <a:r>
-              <a:rPr lang="en-US" sz="2400" i="1" dirty="0" err="1" smtClean="0"/>
+              <a:rPr lang="en-US" sz="2400" i="1" dirty="0" err="1"/>
               <a:t>DerivedClass</a:t>
             </a:r>
             <a:r>
-              <a:rPr lang="en-US" sz="2400" i="1" dirty="0" smtClean="0"/>
+              <a:rPr lang="en-US" sz="2400" i="1" dirty="0"/>
               <a:t> </a:t>
             </a:r>
             <a:r>
-              <a:rPr lang="en-US" sz="2400" dirty="0" smtClean="0"/>
+              <a:rPr lang="en-US" sz="2400" dirty="0"/>
               <a:t>inherits fields and methods from </a:t>
             </a:r>
             <a:r>
-              <a:rPr lang="en-US" sz="2400" i="1" dirty="0" err="1" smtClean="0"/>
+              <a:rPr lang="en-US" sz="2400" i="1" dirty="0" err="1"/>
               <a:t>BaseClass</a:t>
             </a:r>
-            <a:endParaRPr lang="en-US" sz="2400" dirty="0" smtClean="0"/>
-          </a:p>
-          <a:p>
-            <a:r>
-              <a:rPr lang="en-US" sz="2400" dirty="0" smtClean="0"/>
+            <a:endParaRPr lang="en-US" sz="2400" dirty="0"/>
+          </a:p>
+          <a:p>
+            <a:r>
+              <a:rPr lang="en-US" sz="2400" dirty="0"/>
               <a:t>We can specify more specific methods and fields in the subclass</a:t>
             </a:r>
           </a:p>
@@ -5700,7 +5990,7 @@
               <a:tabLst/>
             </a:pPr>
             <a:r>
-              <a:rPr lang="en-US" altLang="en-US" sz="2000" dirty="0" smtClean="0">
+              <a:rPr lang="en-US" altLang="en-US" sz="2000" dirty="0">
                 <a:solidFill>
                   <a:srgbClr val="FF0000"/>
                 </a:solidFill>
@@ -5709,7 +5999,7 @@
               <a:t>class </a:t>
             </a:r>
             <a:r>
-              <a:rPr lang="en-US" altLang="en-US" sz="2000" dirty="0" err="1" smtClean="0">
+              <a:rPr lang="en-US" altLang="en-US" sz="2000" dirty="0" err="1">
                 <a:solidFill>
                   <a:srgbClr val="FF0000"/>
                 </a:solidFill>
@@ -5718,7 +6008,7 @@
               <a:t>BaseClass</a:t>
             </a:r>
             <a:r>
-              <a:rPr lang="en-US" altLang="en-US" sz="2000" dirty="0" smtClean="0">
+              <a:rPr lang="en-US" altLang="en-US" sz="2000" dirty="0">
                 <a:solidFill>
                   <a:srgbClr val="FF0000"/>
                 </a:solidFill>
@@ -5726,12 +6016,6 @@
               </a:rPr>
               <a:t>{</a:t>
             </a:r>
-            <a:endParaRPr lang="en-US" altLang="en-US" sz="2000" dirty="0">
-              <a:solidFill>
-                <a:srgbClr val="FF0000"/>
-              </a:solidFill>
-              <a:latin typeface="Consolas" panose="020B0609020204030204" pitchFamily="49" charset="0"/>
-            </a:endParaRPr>
           </a:p>
           <a:p>
             <a:pPr marL="0" marR="0" lvl="0" indent="0" algn="l" defTabSz="914400" rtl="0" eaLnBrk="0" fontAlgn="base" latinLnBrk="0" hangingPunct="0">
@@ -5751,7 +6035,7 @@
               <a:tabLst/>
             </a:pPr>
             <a:r>
-              <a:rPr lang="en-US" altLang="en-US" sz="2000" dirty="0" smtClean="0">
+              <a:rPr lang="en-US" altLang="en-US" sz="2000" dirty="0">
                 <a:solidFill>
                   <a:srgbClr val="FF0000"/>
                 </a:solidFill>
@@ -5778,7 +6062,7 @@
               <a:tabLst/>
             </a:pPr>
             <a:r>
-              <a:rPr lang="en-US" altLang="en-US" sz="2000" dirty="0" smtClean="0">
+              <a:rPr lang="en-US" altLang="en-US" sz="2000" dirty="0">
                 <a:solidFill>
                   <a:srgbClr val="FF0000"/>
                 </a:solidFill>
@@ -5829,7 +6113,7 @@
               <a:tabLst/>
             </a:pPr>
             <a:r>
-              <a:rPr lang="en-US" altLang="en-US" sz="2000" dirty="0" smtClean="0">
+              <a:rPr lang="en-US" altLang="en-US" sz="2000" dirty="0">
                 <a:solidFill>
                   <a:srgbClr val="FF0000"/>
                 </a:solidFill>
@@ -5838,7 +6122,7 @@
               <a:t>class </a:t>
             </a:r>
             <a:r>
-              <a:rPr lang="en-US" altLang="en-US" sz="2000" dirty="0" err="1" smtClean="0">
+              <a:rPr lang="en-US" altLang="en-US" sz="2000" dirty="0" err="1">
                 <a:solidFill>
                   <a:srgbClr val="FF0000"/>
                 </a:solidFill>
@@ -5847,7 +6131,7 @@
               <a:t>DerivedClass</a:t>
             </a:r>
             <a:r>
-              <a:rPr lang="en-US" altLang="en-US" sz="2000" dirty="0" smtClean="0">
+              <a:rPr lang="en-US" altLang="en-US" sz="2000" dirty="0">
                 <a:solidFill>
                   <a:srgbClr val="FF0000"/>
                 </a:solidFill>
@@ -5856,7 +6140,7 @@
               <a:t> extends </a:t>
             </a:r>
             <a:r>
-              <a:rPr lang="en-US" altLang="en-US" sz="2000" dirty="0" err="1" smtClean="0">
+              <a:rPr lang="en-US" altLang="en-US" sz="2000" dirty="0" err="1">
                 <a:solidFill>
                   <a:srgbClr val="FF0000"/>
                 </a:solidFill>
@@ -5865,7 +6149,7 @@
               <a:t>BaseClass</a:t>
             </a:r>
             <a:r>
-              <a:rPr lang="en-US" altLang="en-US" sz="2000" dirty="0" smtClean="0">
+              <a:rPr lang="en-US" altLang="en-US" sz="2000" dirty="0">
                 <a:solidFill>
                   <a:srgbClr val="FF0000"/>
                 </a:solidFill>
@@ -5898,16 +6182,7 @@
                 </a:solidFill>
                 <a:latin typeface="Consolas" panose="020B0609020204030204" pitchFamily="49" charset="0"/>
               </a:rPr>
-              <a:t> </a:t>
-            </a:r>
-            <a:r>
-              <a:rPr lang="en-US" altLang="en-US" sz="2000" dirty="0" smtClean="0">
-                <a:solidFill>
-                  <a:srgbClr val="FF0000"/>
-                </a:solidFill>
-                <a:latin typeface="Consolas" panose="020B0609020204030204" pitchFamily="49" charset="0"/>
-              </a:rPr>
-              <a:t>   // member declarations</a:t>
+              <a:t>    // member declarations</a:t>
             </a:r>
           </a:p>
           <a:p>
@@ -5936,12 +6211,31 @@
               </a:rPr>
               <a:t>}</a:t>
             </a:r>
-            <a:endParaRPr lang="en-US" altLang="en-US" sz="2000" dirty="0" smtClean="0">
-              <a:solidFill>
-                <a:srgbClr val="FF0000"/>
-              </a:solidFill>
-              <a:latin typeface="Consolas" panose="020B0609020204030204" pitchFamily="49" charset="0"/>
-            </a:endParaRPr>
+          </a:p>
+        </p:txBody>
+      </p:sp>
+      <p:sp>
+        <p:nvSpPr>
+          <p:cNvPr id="2" name="Slide Number Placeholder 1"/>
+          <p:cNvSpPr>
+            <a:spLocks noGrp="1"/>
+          </p:cNvSpPr>
+          <p:nvPr>
+            <p:ph type="sldNum" sz="quarter" idx="12"/>
+          </p:nvPr>
+        </p:nvSpPr>
+        <p:spPr/>
+        <p:txBody>
+          <a:bodyPr>
+            <a:normAutofit lnSpcReduction="10000"/>
+          </a:bodyPr>
+          <a:lstStyle/>
+          <a:p>
+            <a:fld id="{4FAB73BC-B049-4115-A692-8D63A059BFB8}" type="slidenum">
+              <a:rPr lang="en-US" smtClean="0"/>
+              <a:t>6</a:t>
+            </a:fld>
+            <a:endParaRPr lang="en-US" dirty="0"/>
           </a:p>
         </p:txBody>
       </p:sp>
@@ -5991,10 +6285,9 @@
           <a:lstStyle/>
           <a:p>
             <a:r>
-              <a:rPr lang="en-US" dirty="0" smtClean="0"/>
+              <a:rPr lang="en-US" dirty="0"/>
               <a:t>Access Control</a:t>
             </a:r>
-            <a:endParaRPr lang="en-US" dirty="0"/>
           </a:p>
         </p:txBody>
       </p:sp>
@@ -6016,59 +6309,83 @@
           <a:lstStyle/>
           <a:p>
             <a:r>
-              <a:rPr lang="en-US" sz="2400" i="1" dirty="0" smtClean="0"/>
+              <a:rPr lang="en-US" sz="2400" i="1" dirty="0"/>
               <a:t>private </a:t>
             </a:r>
             <a:r>
-              <a:rPr lang="en-US" sz="2400" dirty="0" smtClean="0"/>
+              <a:rPr lang="en-US" sz="2400" dirty="0"/>
               <a:t>methods and fields are only accessible in the base class</a:t>
             </a:r>
           </a:p>
           <a:p>
             <a:r>
-              <a:rPr lang="en-US" sz="2400" i="1" dirty="0" smtClean="0"/>
+              <a:rPr lang="en-US" sz="2400" i="1" dirty="0"/>
               <a:t>protected </a:t>
             </a:r>
             <a:r>
-              <a:rPr lang="en-US" sz="2400" dirty="0" smtClean="0"/>
+              <a:rPr lang="en-US" sz="2400" dirty="0"/>
               <a:t>methods and fields are only accessible in the base class and derived </a:t>
             </a:r>
             <a:r>
-              <a:rPr lang="en-US" sz="2400" dirty="0" err="1" smtClean="0"/>
+              <a:rPr lang="en-US" sz="2400" dirty="0" err="1"/>
               <a:t>clasess</a:t>
             </a:r>
             <a:endParaRPr lang="en-US" sz="2400" dirty="0"/>
           </a:p>
           <a:p>
             <a:r>
-              <a:rPr lang="en-US" sz="2400" dirty="0" smtClean="0"/>
+              <a:rPr lang="en-US" sz="2400" dirty="0"/>
               <a:t>We can use </a:t>
             </a:r>
             <a:r>
-              <a:rPr lang="en-US" sz="2400" i="1" dirty="0" smtClean="0"/>
+              <a:rPr lang="en-US" sz="2400" i="1" dirty="0"/>
               <a:t>getters</a:t>
             </a:r>
             <a:r>
-              <a:rPr lang="en-US" sz="2400" dirty="0" smtClean="0"/>
+              <a:rPr lang="en-US" sz="2400" dirty="0"/>
               <a:t> and </a:t>
             </a:r>
             <a:r>
-              <a:rPr lang="en-US" sz="2400" i="1" dirty="0" smtClean="0"/>
+              <a:rPr lang="en-US" sz="2400" i="1" dirty="0"/>
               <a:t>setters</a:t>
             </a:r>
             <a:r>
-              <a:rPr lang="en-US" sz="2400" dirty="0" smtClean="0"/>
+              <a:rPr lang="en-US" sz="2400" dirty="0"/>
               <a:t> to access private fields as an alternative to </a:t>
             </a:r>
             <a:r>
-              <a:rPr lang="en-US" sz="2400" i="1" dirty="0" smtClean="0"/>
+              <a:rPr lang="en-US" sz="2400" i="1" dirty="0"/>
               <a:t>protected</a:t>
             </a:r>
             <a:r>
-              <a:rPr lang="en-US" sz="2400" dirty="0" smtClean="0"/>
+              <a:rPr lang="en-US" sz="2400" dirty="0"/>
               <a:t> fields</a:t>
             </a:r>
-            <a:endParaRPr lang="en-US" sz="2400" dirty="0"/>
+          </a:p>
+        </p:txBody>
+      </p:sp>
+      <p:sp>
+        <p:nvSpPr>
+          <p:cNvPr id="2" name="Slide Number Placeholder 1"/>
+          <p:cNvSpPr>
+            <a:spLocks noGrp="1"/>
+          </p:cNvSpPr>
+          <p:nvPr>
+            <p:ph type="sldNum" sz="quarter" idx="12"/>
+          </p:nvPr>
+        </p:nvSpPr>
+        <p:spPr/>
+        <p:txBody>
+          <a:bodyPr>
+            <a:normAutofit lnSpcReduction="10000"/>
+          </a:bodyPr>
+          <a:lstStyle/>
+          <a:p>
+            <a:fld id="{4FAB73BC-B049-4115-A692-8D63A059BFB8}" type="slidenum">
+              <a:rPr lang="en-US" smtClean="0"/>
+              <a:t>7</a:t>
+            </a:fld>
+            <a:endParaRPr lang="en-US" dirty="0"/>
           </a:p>
         </p:txBody>
       </p:sp>
@@ -6118,10 +6435,9 @@
           <a:lstStyle/>
           <a:p>
             <a:r>
-              <a:rPr lang="en-US" dirty="0" smtClean="0"/>
+              <a:rPr lang="en-US" dirty="0"/>
               <a:t>Accessing the Base Class</a:t>
             </a:r>
-            <a:endParaRPr lang="en-US" dirty="0"/>
           </a:p>
         </p:txBody>
       </p:sp>
@@ -6143,35 +6459,60 @@
           <a:lstStyle/>
           <a:p>
             <a:r>
-              <a:rPr lang="en-US" sz="2800" dirty="0" smtClean="0"/>
+              <a:rPr lang="en-US" sz="2800" dirty="0"/>
               <a:t>Use the reserved word </a:t>
             </a:r>
             <a:r>
-              <a:rPr lang="en-US" sz="2800" i="1" dirty="0" smtClean="0"/>
+              <a:rPr lang="en-US" sz="2800" i="1" dirty="0"/>
               <a:t>super</a:t>
             </a:r>
             <a:r>
-              <a:rPr lang="en-US" sz="2800" dirty="0" smtClean="0"/>
+              <a:rPr lang="en-US" sz="2800" dirty="0"/>
               <a:t> to access the base class; similar to </a:t>
             </a:r>
             <a:r>
-              <a:rPr lang="en-US" sz="2800" i="1" dirty="0" smtClean="0"/>
+              <a:rPr lang="en-US" sz="2800" i="1" dirty="0"/>
               <a:t>this</a:t>
             </a:r>
             <a:r>
-              <a:rPr lang="en-US" sz="2800" dirty="0" smtClean="0"/>
+              <a:rPr lang="en-US" sz="2800" dirty="0"/>
               <a:t> used to access an instance</a:t>
             </a:r>
           </a:p>
           <a:p>
             <a:r>
-              <a:rPr lang="en-US" sz="2800" i="1" dirty="0" smtClean="0"/>
+              <a:rPr lang="en-US" sz="2800" i="1" dirty="0"/>
               <a:t>super() </a:t>
             </a:r>
             <a:r>
-              <a:rPr lang="en-US" sz="2800" dirty="0" smtClean="0"/>
+              <a:rPr lang="en-US" sz="2800" dirty="0"/>
               <a:t>corresponds to the base class’s constructor</a:t>
             </a:r>
+          </a:p>
+        </p:txBody>
+      </p:sp>
+      <p:sp>
+        <p:nvSpPr>
+          <p:cNvPr id="2" name="Slide Number Placeholder 1"/>
+          <p:cNvSpPr>
+            <a:spLocks noGrp="1"/>
+          </p:cNvSpPr>
+          <p:nvPr>
+            <p:ph type="sldNum" sz="quarter" idx="12"/>
+          </p:nvPr>
+        </p:nvSpPr>
+        <p:spPr/>
+        <p:txBody>
+          <a:bodyPr>
+            <a:normAutofit lnSpcReduction="10000"/>
+          </a:bodyPr>
+          <a:lstStyle/>
+          <a:p>
+            <a:fld id="{4FAB73BC-B049-4115-A692-8D63A059BFB8}" type="slidenum">
+              <a:rPr lang="en-US" smtClean="0"/>
+              <a:t>8</a:t>
+            </a:fld>
+            <a:endParaRPr lang="en-US" dirty="0"/>
           </a:p>
         </p:txBody>
       </p:sp>
@@ -6221,10 +6562,9 @@
           <a:lstStyle/>
           <a:p>
             <a:r>
-              <a:rPr lang="en-US" dirty="0" smtClean="0"/>
+              <a:rPr lang="en-US" dirty="0"/>
               <a:t>Overriding Base Class Methods</a:t>
             </a:r>
-            <a:endParaRPr lang="en-US" dirty="0"/>
           </a:p>
         </p:txBody>
       </p:sp>
@@ -6246,48 +6586,73 @@
           <a:lstStyle/>
           <a:p>
             <a:r>
-              <a:rPr lang="en-US" sz="2000" dirty="0" smtClean="0"/>
+              <a:rPr lang="en-US" sz="2000" dirty="0"/>
               <a:t>Derived classes can specify their own implementation of methods declared in the base class – this is known as </a:t>
             </a:r>
             <a:r>
-              <a:rPr lang="en-US" sz="2000" i="1" dirty="0" err="1" smtClean="0"/>
+              <a:rPr lang="en-US" sz="2000" i="1" dirty="0" err="1"/>
               <a:t>overrriding</a:t>
             </a:r>
-            <a:endParaRPr lang="en-US" sz="2000" i="1" dirty="0" smtClean="0"/>
-          </a:p>
-          <a:p>
-            <a:r>
-              <a:rPr lang="en-US" sz="2000" dirty="0" smtClean="0"/>
+            <a:endParaRPr lang="en-US" sz="2000" i="1" dirty="0"/>
+          </a:p>
+          <a:p>
+            <a:r>
+              <a:rPr lang="en-US" sz="2000" dirty="0"/>
               <a:t>Access base class’s method using </a:t>
             </a:r>
             <a:r>
-              <a:rPr lang="en-US" sz="2000" i="1" dirty="0" err="1" smtClean="0"/>
+              <a:rPr lang="en-US" sz="2000" i="1" dirty="0" err="1"/>
               <a:t>super.method</a:t>
             </a:r>
             <a:r>
-              <a:rPr lang="en-US" sz="2000" i="1" dirty="0" smtClean="0"/>
+              <a:rPr lang="en-US" sz="2000" i="1" dirty="0"/>
               <a:t>()</a:t>
             </a:r>
           </a:p>
           <a:p>
             <a:r>
-              <a:rPr lang="en-US" sz="2000" dirty="0" smtClean="0"/>
+              <a:rPr lang="en-US" sz="2000" dirty="0"/>
               <a:t>Overriding replaces functionality, overloading adds functionality</a:t>
             </a:r>
           </a:p>
           <a:p>
             <a:r>
-              <a:rPr lang="en-US" sz="2000" dirty="0" smtClean="0"/>
+              <a:rPr lang="en-US" sz="2000" dirty="0"/>
               <a:t>Prefix overridden methods with </a:t>
             </a:r>
             <a:r>
-              <a:rPr lang="en-US" sz="2000" i="1" dirty="0" smtClean="0"/>
+              <a:rPr lang="en-US" sz="2000" i="1" dirty="0"/>
               <a:t>@Override </a:t>
             </a:r>
             <a:r>
-              <a:rPr lang="en-US" sz="2000" dirty="0" smtClean="0"/>
+              <a:rPr lang="en-US" sz="2000" dirty="0"/>
               <a:t>annotation to distinguish from overloaded methods</a:t>
             </a:r>
+          </a:p>
+        </p:txBody>
+      </p:sp>
+      <p:sp>
+        <p:nvSpPr>
+          <p:cNvPr id="2" name="Slide Number Placeholder 1"/>
+          <p:cNvSpPr>
+            <a:spLocks noGrp="1"/>
+          </p:cNvSpPr>
+          <p:nvPr>
+            <p:ph type="sldNum" sz="quarter" idx="12"/>
+          </p:nvPr>
+        </p:nvSpPr>
+        <p:spPr/>
+        <p:txBody>
+          <a:bodyPr>
+            <a:normAutofit lnSpcReduction="10000"/>
+          </a:bodyPr>
+          <a:lstStyle/>
+          <a:p>
+            <a:fld id="{4FAB73BC-B049-4115-A692-8D63A059BFB8}" type="slidenum">
+              <a:rPr lang="en-US" smtClean="0"/>
+              <a:t>9</a:t>
+            </a:fld>
+            <a:endParaRPr lang="en-US" dirty="0"/>
           </a:p>
         </p:txBody>
       </p:sp>

--- a/week_07_08/week_07_08.pptx
+++ b/week_07_08/week_07_08.pptx
@@ -213,7 +213,7 @@
           <a:p>
             <a:fld id="{A756DEA0-F944-5946-9B95-BC7B5255CD05}" type="datetimeFigureOut">
               <a:rPr lang="en-US" smtClean="0"/>
-              <a:t>10/10/2016</a:t>
+              <a:t>2/28/17</a:t>
             </a:fld>
             <a:endParaRPr lang="en-US"/>
           </a:p>
@@ -900,7 +900,7 @@
           <a:p>
             <a:fld id="{C5EA75F5-9C53-4C57-B9F1-F3208CA9B7F4}" type="datetime1">
               <a:rPr lang="en-US" smtClean="0"/>
-              <a:t>10/10/2016</a:t>
+              <a:t>2/28/17</a:t>
             </a:fld>
             <a:endParaRPr lang="en-US" dirty="0"/>
           </a:p>
@@ -1124,7 +1124,7 @@
           <a:p>
             <a:fld id="{FC196B55-95CD-4416-8964-A30564121383}" type="datetime1">
               <a:rPr lang="en-US" smtClean="0"/>
-              <a:t>10/10/2016</a:t>
+              <a:t>2/28/17</a:t>
             </a:fld>
             <a:endParaRPr lang="en-US" dirty="0"/>
           </a:p>
@@ -1299,7 +1299,7 @@
           <a:p>
             <a:fld id="{70C2EC10-3AAA-4469-8818-D58D91D054BE}" type="datetime1">
               <a:rPr lang="en-US" smtClean="0"/>
-              <a:t>10/10/2016</a:t>
+              <a:t>2/28/17</a:t>
             </a:fld>
             <a:endParaRPr lang="en-US" dirty="0"/>
           </a:p>
@@ -1464,7 +1464,7 @@
           <a:p>
             <a:fld id="{09EF0F6F-D2AB-4DA5-8AD1-6900E3639D38}" type="datetime1">
               <a:rPr lang="en-US" smtClean="0"/>
-              <a:t>10/10/2016</a:t>
+              <a:t>2/28/17</a:t>
             </a:fld>
             <a:endParaRPr lang="en-US" dirty="0"/>
           </a:p>
@@ -1713,7 +1713,7 @@
           <a:p>
             <a:fld id="{989B7EAF-0C39-44E8-8499-6BA407F3AEBC}" type="datetime1">
               <a:rPr lang="en-US" smtClean="0"/>
-              <a:t>10/10/2016</a:t>
+              <a:t>2/28/17</a:t>
             </a:fld>
             <a:endParaRPr lang="en-US" dirty="0"/>
           </a:p>
@@ -2034,7 +2034,7 @@
           <a:p>
             <a:fld id="{5886F527-0E87-4BCD-B70D-567B75B5FC54}" type="datetime1">
               <a:rPr lang="en-US" smtClean="0"/>
-              <a:t>10/10/2016</a:t>
+              <a:t>2/28/17</a:t>
             </a:fld>
             <a:endParaRPr lang="en-US" dirty="0"/>
           </a:p>
@@ -2480,7 +2480,7 @@
           <a:p>
             <a:fld id="{A0DF246D-505E-42AC-8833-29EE4713D20B}" type="datetime1">
               <a:rPr lang="en-US" smtClean="0"/>
-              <a:t>10/10/2016</a:t>
+              <a:t>2/28/17</a:t>
             </a:fld>
             <a:endParaRPr lang="en-US" dirty="0"/>
           </a:p>
@@ -2593,7 +2593,7 @@
           <a:p>
             <a:fld id="{2890B447-952E-4F59-AC1F-0116EA635D33}" type="datetime1">
               <a:rPr lang="en-US" smtClean="0"/>
-              <a:t>10/10/2016</a:t>
+              <a:t>2/28/17</a:t>
             </a:fld>
             <a:endParaRPr lang="en-US" dirty="0"/>
           </a:p>
@@ -2683,7 +2683,7 @@
           <a:p>
             <a:fld id="{3EF54D9E-748D-41D1-8E9A-189407821B85}" type="datetime1">
               <a:rPr lang="en-US" smtClean="0"/>
-              <a:t>10/10/2016</a:t>
+              <a:t>2/28/17</a:t>
             </a:fld>
             <a:endParaRPr lang="en-US" dirty="0"/>
           </a:p>
@@ -2965,7 +2965,7 @@
           <a:p>
             <a:fld id="{7C9B8561-1BBF-41EC-9127-6AF41D23B667}" type="datetime1">
               <a:rPr lang="en-US" smtClean="0"/>
-              <a:t>10/10/2016</a:t>
+              <a:t>2/28/17</a:t>
             </a:fld>
             <a:endParaRPr lang="en-US" dirty="0"/>
           </a:p>
@@ -3285,7 +3285,7 @@
           <a:p>
             <a:fld id="{059F584D-11ED-4273-A4D2-F852542F5BB5}" type="datetime1">
               <a:rPr lang="en-US" smtClean="0"/>
-              <a:t>10/10/2016</a:t>
+              <a:t>2/28/17</a:t>
             </a:fld>
             <a:endParaRPr lang="en-US" dirty="0"/>
           </a:p>
@@ -3534,7 +3534,7 @@
           <a:p>
             <a:fld id="{C347BE70-8F30-4E43-BA14-F2F900FE7F6E}" type="datetime1">
               <a:rPr lang="en-US" smtClean="0"/>
-              <a:t>10/10/2016</a:t>
+              <a:t>2/28/17</a:t>
             </a:fld>
             <a:endParaRPr lang="en-US" dirty="0"/>
           </a:p>
@@ -4274,14 +4274,14 @@
                 <a:gridCol w="3083906">
                   <a:extLst>
                     <a:ext uri="{9D8B030D-6E8A-4147-A177-3AD203B41FA5}">
-                      <a16:colId xmlns:a16="http://schemas.microsoft.com/office/drawing/2014/main" val="20000"/>
+                      <a16:colId xmlns:a16="http://schemas.microsoft.com/office/drawing/2014/main" xmlns="" val="20000"/>
                     </a:ext>
                   </a:extLst>
                 </a:gridCol>
                 <a:gridCol w="5510820">
                   <a:extLst>
                     <a:ext uri="{9D8B030D-6E8A-4147-A177-3AD203B41FA5}">
-                      <a16:colId xmlns:a16="http://schemas.microsoft.com/office/drawing/2014/main" val="20001"/>
+                      <a16:colId xmlns:a16="http://schemas.microsoft.com/office/drawing/2014/main" xmlns="" val="20001"/>
                     </a:ext>
                   </a:extLst>
                 </a:gridCol>
@@ -4327,7 +4327,7 @@
                 </a:tc>
                 <a:extLst>
                   <a:ext uri="{0D108BD9-81ED-4DB2-BD59-A6C34878D82A}">
-                    <a16:rowId xmlns:a16="http://schemas.microsoft.com/office/drawing/2014/main" val="10000"/>
+                    <a16:rowId xmlns:a16="http://schemas.microsoft.com/office/drawing/2014/main" xmlns="" val="10000"/>
                   </a:ext>
                 </a:extLst>
               </a:tr>
@@ -4366,7 +4366,7 @@
                 </a:tc>
                 <a:extLst>
                   <a:ext uri="{0D108BD9-81ED-4DB2-BD59-A6C34878D82A}">
-                    <a16:rowId xmlns:a16="http://schemas.microsoft.com/office/drawing/2014/main" val="10001"/>
+                    <a16:rowId xmlns:a16="http://schemas.microsoft.com/office/drawing/2014/main" xmlns="" val="10001"/>
                   </a:ext>
                 </a:extLst>
               </a:tr>
@@ -4432,7 +4432,7 @@
                 </a:tc>
                 <a:extLst>
                   <a:ext uri="{0D108BD9-81ED-4DB2-BD59-A6C34878D82A}">
-                    <a16:rowId xmlns:a16="http://schemas.microsoft.com/office/drawing/2014/main" val="10002"/>
+                    <a16:rowId xmlns:a16="http://schemas.microsoft.com/office/drawing/2014/main" xmlns="" val="10002"/>
                   </a:ext>
                 </a:extLst>
               </a:tr>
@@ -4471,7 +4471,7 @@
                 </a:tc>
                 <a:extLst>
                   <a:ext uri="{0D108BD9-81ED-4DB2-BD59-A6C34878D82A}">
-                    <a16:rowId xmlns:a16="http://schemas.microsoft.com/office/drawing/2014/main" val="10003"/>
+                    <a16:rowId xmlns:a16="http://schemas.microsoft.com/office/drawing/2014/main" xmlns="" val="10003"/>
                   </a:ext>
                 </a:extLst>
               </a:tr>
@@ -4510,7 +4510,7 @@
                 </a:tc>
                 <a:extLst>
                   <a:ext uri="{0D108BD9-81ED-4DB2-BD59-A6C34878D82A}">
-                    <a16:rowId xmlns:a16="http://schemas.microsoft.com/office/drawing/2014/main" val="10004"/>
+                    <a16:rowId xmlns:a16="http://schemas.microsoft.com/office/drawing/2014/main" xmlns="" val="10004"/>
                   </a:ext>
                 </a:extLst>
               </a:tr>
@@ -6324,11 +6324,15 @@
             </a:r>
             <a:r>
               <a:rPr lang="en-US" sz="2400" dirty="0"/>
-              <a:t>methods and fields are only accessible in the base class and derived </a:t>
-            </a:r>
-            <a:r>
-              <a:rPr lang="en-US" sz="2400" dirty="0" err="1"/>
-              <a:t>clasess</a:t>
+              <a:t>methods and fields are only accessible in the base </a:t>
+            </a:r>
+            <a:r>
+              <a:rPr lang="en-US" sz="2400" dirty="0" smtClean="0"/>
+              <a:t>class, derived classes, and other classes in the </a:t>
+            </a:r>
+            <a:r>
+              <a:rPr lang="en-US" sz="2400" smtClean="0"/>
+              <a:t>base class’ package</a:t>
             </a:r>
             <a:endParaRPr lang="en-US" sz="2400" dirty="0"/>
           </a:p>
